--- a/Heart-Disease-Project.pptx
+++ b/Heart-Disease-Project.pptx
@@ -13,31 +13,32 @@
     <p:sldId id="262" r:id="rId7"/>
     <p:sldId id="260" r:id="rId8"/>
     <p:sldId id="268" r:id="rId9"/>
-    <p:sldId id="284" r:id="rId10"/>
-    <p:sldId id="285" r:id="rId11"/>
-    <p:sldId id="269" r:id="rId12"/>
-    <p:sldId id="270" r:id="rId13"/>
-    <p:sldId id="267" r:id="rId14"/>
-    <p:sldId id="266" r:id="rId15"/>
-    <p:sldId id="271" r:id="rId16"/>
-    <p:sldId id="272" r:id="rId17"/>
-    <p:sldId id="273" r:id="rId18"/>
-    <p:sldId id="276" r:id="rId19"/>
-    <p:sldId id="275" r:id="rId20"/>
-    <p:sldId id="274" r:id="rId21"/>
-    <p:sldId id="286" r:id="rId22"/>
-    <p:sldId id="287" r:id="rId23"/>
-    <p:sldId id="277" r:id="rId24"/>
-    <p:sldId id="288" r:id="rId25"/>
-    <p:sldId id="289" r:id="rId26"/>
-    <p:sldId id="290" r:id="rId27"/>
-    <p:sldId id="293" r:id="rId28"/>
-    <p:sldId id="292" r:id="rId29"/>
-    <p:sldId id="294" r:id="rId30"/>
-    <p:sldId id="295" r:id="rId31"/>
-    <p:sldId id="282" r:id="rId32"/>
-    <p:sldId id="283" r:id="rId33"/>
-    <p:sldId id="281" r:id="rId34"/>
+    <p:sldId id="296" r:id="rId10"/>
+    <p:sldId id="284" r:id="rId11"/>
+    <p:sldId id="285" r:id="rId12"/>
+    <p:sldId id="269" r:id="rId13"/>
+    <p:sldId id="270" r:id="rId14"/>
+    <p:sldId id="267" r:id="rId15"/>
+    <p:sldId id="266" r:id="rId16"/>
+    <p:sldId id="271" r:id="rId17"/>
+    <p:sldId id="272" r:id="rId18"/>
+    <p:sldId id="273" r:id="rId19"/>
+    <p:sldId id="276" r:id="rId20"/>
+    <p:sldId id="275" r:id="rId21"/>
+    <p:sldId id="274" r:id="rId22"/>
+    <p:sldId id="286" r:id="rId23"/>
+    <p:sldId id="287" r:id="rId24"/>
+    <p:sldId id="277" r:id="rId25"/>
+    <p:sldId id="288" r:id="rId26"/>
+    <p:sldId id="289" r:id="rId27"/>
+    <p:sldId id="290" r:id="rId28"/>
+    <p:sldId id="293" r:id="rId29"/>
+    <p:sldId id="292" r:id="rId30"/>
+    <p:sldId id="294" r:id="rId31"/>
+    <p:sldId id="295" r:id="rId32"/>
+    <p:sldId id="282" r:id="rId33"/>
+    <p:sldId id="283" r:id="rId34"/>
+    <p:sldId id="281" r:id="rId35"/>
   </p:sldIdLst>
   <p:sldSz cx="12192000" cy="6858000"/>
   <p:notesSz cx="6858000" cy="9144000"/>
@@ -340,7 +341,7 @@
           <a:p>
             <a:fld id="{D9E550E2-67AF-4143-BCAC-E8CDA6CC128F}" type="datetimeFigureOut">
               <a:rPr lang="en-US" smtClean="0"/>
-              <a:t>3/29/2022</a:t>
+              <a:t>4/14/2022</a:t>
             </a:fld>
             <a:endParaRPr lang="en-US" dirty="0"/>
           </a:p>
@@ -621,7 +622,7 @@
           <a:p>
             <a:fld id="{D9E550E2-67AF-4143-BCAC-E8CDA6CC128F}" type="datetimeFigureOut">
               <a:rPr lang="en-US" smtClean="0"/>
-              <a:t>3/29/2022</a:t>
+              <a:t>4/14/2022</a:t>
             </a:fld>
             <a:endParaRPr lang="en-US" dirty="0"/>
           </a:p>
@@ -813,7 +814,7 @@
           <a:p>
             <a:fld id="{D9E550E2-67AF-4143-BCAC-E8CDA6CC128F}" type="datetimeFigureOut">
               <a:rPr lang="en-US" smtClean="0"/>
-              <a:t>3/29/2022</a:t>
+              <a:t>4/14/2022</a:t>
             </a:fld>
             <a:endParaRPr lang="en-US" dirty="0"/>
           </a:p>
@@ -1074,7 +1075,7 @@
           <a:p>
             <a:fld id="{D9E550E2-67AF-4143-BCAC-E8CDA6CC128F}" type="datetimeFigureOut">
               <a:rPr lang="en-US" smtClean="0"/>
-              <a:t>3/29/2022</a:t>
+              <a:t>4/14/2022</a:t>
             </a:fld>
             <a:endParaRPr lang="en-US" dirty="0"/>
           </a:p>
@@ -1500,7 +1501,7 @@
           <a:p>
             <a:fld id="{D9E550E2-67AF-4143-BCAC-E8CDA6CC128F}" type="datetimeFigureOut">
               <a:rPr lang="en-US" smtClean="0"/>
-              <a:t>3/29/2022</a:t>
+              <a:t>4/14/2022</a:t>
             </a:fld>
             <a:endParaRPr lang="en-US" dirty="0"/>
           </a:p>
@@ -2046,7 +2047,7 @@
           <a:p>
             <a:fld id="{D9E550E2-67AF-4143-BCAC-E8CDA6CC128F}" type="datetimeFigureOut">
               <a:rPr lang="en-US" smtClean="0"/>
-              <a:t>3/29/2022</a:t>
+              <a:t>4/14/2022</a:t>
             </a:fld>
             <a:endParaRPr lang="en-US" dirty="0"/>
           </a:p>
@@ -2877,7 +2878,7 @@
           <a:p>
             <a:fld id="{D9E550E2-67AF-4143-BCAC-E8CDA6CC128F}" type="datetimeFigureOut">
               <a:rPr lang="en-US" smtClean="0"/>
-              <a:t>3/29/2022</a:t>
+              <a:t>4/14/2022</a:t>
             </a:fld>
             <a:endParaRPr lang="en-US" dirty="0"/>
           </a:p>
@@ -3047,7 +3048,7 @@
           <a:p>
             <a:fld id="{D9E550E2-67AF-4143-BCAC-E8CDA6CC128F}" type="datetimeFigureOut">
               <a:rPr lang="en-US" smtClean="0"/>
-              <a:t>3/29/2022</a:t>
+              <a:t>4/14/2022</a:t>
             </a:fld>
             <a:endParaRPr lang="en-US" dirty="0"/>
           </a:p>
@@ -3227,7 +3228,7 @@
           <a:p>
             <a:fld id="{D9E550E2-67AF-4143-BCAC-E8CDA6CC128F}" type="datetimeFigureOut">
               <a:rPr lang="en-US" smtClean="0"/>
-              <a:t>3/29/2022</a:t>
+              <a:t>4/14/2022</a:t>
             </a:fld>
             <a:endParaRPr lang="en-US" dirty="0"/>
           </a:p>
@@ -3397,7 +3398,7 @@
           <a:p>
             <a:fld id="{D9E550E2-67AF-4143-BCAC-E8CDA6CC128F}" type="datetimeFigureOut">
               <a:rPr lang="en-US" smtClean="0"/>
-              <a:t>3/29/2022</a:t>
+              <a:t>4/14/2022</a:t>
             </a:fld>
             <a:endParaRPr lang="en-US" dirty="0"/>
           </a:p>
@@ -3654,7 +3655,7 @@
           <a:p>
             <a:fld id="{D9E550E2-67AF-4143-BCAC-E8CDA6CC128F}" type="datetimeFigureOut">
               <a:rPr lang="en-US" smtClean="0"/>
-              <a:t>3/29/2022</a:t>
+              <a:t>4/14/2022</a:t>
             </a:fld>
             <a:endParaRPr lang="en-US" dirty="0"/>
           </a:p>
@@ -3886,7 +3887,7 @@
           <a:p>
             <a:fld id="{D9E550E2-67AF-4143-BCAC-E8CDA6CC128F}" type="datetimeFigureOut">
               <a:rPr lang="en-US" smtClean="0"/>
-              <a:t>3/29/2022</a:t>
+              <a:t>4/14/2022</a:t>
             </a:fld>
             <a:endParaRPr lang="en-US" dirty="0"/>
           </a:p>
@@ -4279,7 +4280,7 @@
           <a:p>
             <a:fld id="{D9E550E2-67AF-4143-BCAC-E8CDA6CC128F}" type="datetimeFigureOut">
               <a:rPr lang="en-US" smtClean="0"/>
-              <a:t>3/29/2022</a:t>
+              <a:t>4/14/2022</a:t>
             </a:fld>
             <a:endParaRPr lang="en-US" dirty="0"/>
           </a:p>
@@ -4397,7 +4398,7 @@
           <a:p>
             <a:fld id="{D9E550E2-67AF-4143-BCAC-E8CDA6CC128F}" type="datetimeFigureOut">
               <a:rPr lang="en-US" smtClean="0"/>
-              <a:t>3/29/2022</a:t>
+              <a:t>4/14/2022</a:t>
             </a:fld>
             <a:endParaRPr lang="en-US" dirty="0"/>
           </a:p>
@@ -4492,7 +4493,7 @@
           <a:p>
             <a:fld id="{D9E550E2-67AF-4143-BCAC-E8CDA6CC128F}" type="datetimeFigureOut">
               <a:rPr lang="en-US" smtClean="0"/>
-              <a:t>3/29/2022</a:t>
+              <a:t>4/14/2022</a:t>
             </a:fld>
             <a:endParaRPr lang="en-US" dirty="0"/>
           </a:p>
@@ -4765,7 +4766,7 @@
           <a:p>
             <a:fld id="{D9E550E2-67AF-4143-BCAC-E8CDA6CC128F}" type="datetimeFigureOut">
               <a:rPr lang="en-US" smtClean="0"/>
-              <a:t>3/29/2022</a:t>
+              <a:t>4/14/2022</a:t>
             </a:fld>
             <a:endParaRPr lang="en-US" dirty="0"/>
           </a:p>
@@ -5046,7 +5047,7 @@
           <a:p>
             <a:fld id="{D9E550E2-67AF-4143-BCAC-E8CDA6CC128F}" type="datetimeFigureOut">
               <a:rPr lang="en-US" smtClean="0"/>
-              <a:t>3/29/2022</a:t>
+              <a:t>4/14/2022</a:t>
             </a:fld>
             <a:endParaRPr lang="en-US" dirty="0"/>
           </a:p>
@@ -5286,7 +5287,7 @@
           <a:p>
             <a:fld id="{D9E550E2-67AF-4143-BCAC-E8CDA6CC128F}" type="datetimeFigureOut">
               <a:rPr lang="en-US" smtClean="0"/>
-              <a:t>3/29/2022</a:t>
+              <a:t>4/14/2022</a:t>
             </a:fld>
             <a:endParaRPr lang="en-US" dirty="0"/>
           </a:p>
@@ -6037,7 +6038,7 @@
         <p:spPr/>
         <p:txBody>
           <a:bodyPr>
-            <a:normAutofit fontScale="90000"/>
+            <a:normAutofit/>
           </a:bodyPr>
           <a:lstStyle/>
           <a:p>
@@ -6048,7 +6049,7 @@
                   <a:schemeClr val="tx1"/>
                 </a:solidFill>
               </a:rPr>
-              <a:t>Exercise Induced Angina vs Heart </a:t>
+              <a:t>Fasting Blood Sugar vs Heart </a:t>
             </a:r>
             <a:r>
               <a:rPr lang="en-US" sz="5000" dirty="0" smtClean="0">
@@ -6057,29 +6058,6 @@
                 </a:solidFill>
               </a:rPr>
               <a:t>Disease</a:t>
-            </a:r>
-            <a:br>
-              <a:rPr lang="en-US" sz="5000" dirty="0" smtClean="0">
-                <a:solidFill>
-                  <a:schemeClr val="tx1"/>
-                </a:solidFill>
-              </a:rPr>
-            </a:br>
-            <a:r>
-              <a:rPr lang="en-US" sz="3200" dirty="0" smtClean="0">
-                <a:solidFill>
-                  <a:schemeClr val="tx1"/>
-                </a:solidFill>
-              </a:rPr>
-              <a:t>EDA </a:t>
-            </a:r>
-            <a:r>
-              <a:rPr lang="en-US" sz="3200" dirty="0" smtClean="0">
-                <a:solidFill>
-                  <a:schemeClr val="tx1"/>
-                </a:solidFill>
-              </a:rPr>
-              <a:t>Continued…</a:t>
             </a:r>
             <a:endParaRPr lang="en-US" sz="3200" cap="none" dirty="0">
               <a:solidFill>
@@ -6097,8 +6075,8 @@
         </p:nvSpPr>
         <p:spPr>
           <a:xfrm>
-            <a:off x="5380504" y="2448585"/>
-            <a:ext cx="6116952" cy="2616101"/>
+            <a:off x="5380504" y="1998880"/>
+            <a:ext cx="6676584" cy="4093428"/>
           </a:xfrm>
           <a:prstGeom prst="rect">
             <a:avLst/>
@@ -6116,7 +6094,7 @@
               <a:buChar char="v"/>
             </a:pPr>
             <a:r>
-              <a:rPr lang="en-US" sz="2200" dirty="0" smtClean="0">
+              <a:rPr lang="en-US" sz="2000" dirty="0" smtClean="0">
                 <a:effectLst>
                   <a:glow rad="38100">
                     <a:schemeClr val="bg1">
@@ -6130,18 +6108,10 @@
               <a:t>Observation: </a:t>
             </a:r>
             <a:r>
-              <a:rPr lang="en-US" sz="2400" dirty="0"/>
-              <a:t>Many people </a:t>
-            </a:r>
-            <a:r>
-              <a:rPr lang="en-US" sz="2400" dirty="0" smtClean="0"/>
-              <a:t>with exercise </a:t>
-            </a:r>
-            <a:r>
-              <a:rPr lang="en-US" sz="2400" dirty="0"/>
-              <a:t>induced angina do not develop heart disease.</a:t>
-            </a:r>
-            <a:endParaRPr lang="en-US" sz="2200" dirty="0" smtClean="0">
+              <a:rPr lang="en-US" sz="2000" dirty="0" smtClean="0"/>
+              <a:t>Fasting blood sugar doesn’t have a significant effect on developing heart disease.</a:t>
+            </a:r>
+            <a:endParaRPr lang="en-US" sz="2000" dirty="0" smtClean="0">
               <a:effectLst>
                 <a:glow rad="38100">
                   <a:schemeClr val="bg1">
@@ -6154,8 +6124,11 @@
             </a:endParaRPr>
           </a:p>
           <a:p>
-            <a:pPr lvl="1" algn="ctr"/>
-            <a:endParaRPr lang="en-US" sz="2200" dirty="0">
+            <a:pPr marL="342900" indent="-342900">
+              <a:buFont typeface="Wingdings" panose="05000000000000000000" pitchFamily="2" charset="2"/>
+              <a:buChar char="v"/>
+            </a:pPr>
+            <a:endParaRPr lang="en-US" sz="2000" dirty="0">
               <a:effectLst>
                 <a:glow rad="38100">
                   <a:schemeClr val="bg1">
@@ -6170,7 +6143,7 @@
           <a:p>
             <a:pPr lvl="1" algn="ctr"/>
             <a:r>
-              <a:rPr lang="en-US" sz="2400" dirty="0" smtClean="0">
+              <a:rPr lang="en-US" sz="2000" dirty="0" smtClean="0">
                 <a:solidFill>
                   <a:schemeClr val="accent5">
                     <a:lumMod val="60000"/>
@@ -6187,10 +6160,13 @@
                   </a:glow>
                 </a:effectLst>
               </a:rPr>
-              <a:t>Selection </a:t>
-            </a:r>
-            <a:r>
-              <a:rPr lang="en-US" sz="2400" dirty="0" smtClean="0">
+              <a:t>Selection Bias? </a:t>
+            </a:r>
+          </a:p>
+          <a:p>
+            <a:pPr lvl="1" algn="ctr"/>
+            <a:r>
+              <a:rPr lang="en-US" sz="2000" dirty="0" smtClean="0">
                 <a:solidFill>
                   <a:schemeClr val="accent5">
                     <a:lumMod val="60000"/>
@@ -6207,12 +6183,35 @@
                   </a:glow>
                 </a:effectLst>
               </a:rPr>
-              <a:t>Bias? </a:t>
+              <a:t>Or </a:t>
             </a:r>
           </a:p>
           <a:p>
             <a:pPr lvl="1" algn="ctr"/>
-            <a:endParaRPr lang="en-US" sz="2200" dirty="0">
+            <a:r>
+              <a:rPr lang="en-US" sz="2000" dirty="0" smtClean="0">
+                <a:solidFill>
+                  <a:schemeClr val="accent5">
+                    <a:lumMod val="60000"/>
+                    <a:lumOff val="40000"/>
+                  </a:schemeClr>
+                </a:solidFill>
+                <a:effectLst>
+                  <a:glow rad="38100">
+                    <a:schemeClr val="bg1">
+                      <a:lumMod val="50000"/>
+                      <a:lumOff val="50000"/>
+                      <a:alpha val="20000"/>
+                    </a:schemeClr>
+                  </a:glow>
+                </a:effectLst>
+              </a:rPr>
+              <a:t>Reflection of  The Real World?</a:t>
+            </a:r>
+          </a:p>
+          <a:p>
+            <a:pPr lvl="1" algn="ctr"/>
+            <a:endParaRPr lang="en-US" sz="2000" dirty="0">
               <a:effectLst>
                 <a:glow rad="38100">
                   <a:schemeClr val="bg1">
@@ -6230,7 +6229,7 @@
               <a:buChar char="v"/>
             </a:pPr>
             <a:r>
-              <a:rPr lang="en-US" sz="2400" dirty="0" smtClean="0">
+              <a:rPr lang="en-US" sz="2000" dirty="0" smtClean="0">
                 <a:effectLst>
                   <a:glow rad="38100">
                     <a:schemeClr val="bg1">
@@ -6241,10 +6240,33 @@
                   </a:glow>
                 </a:effectLst>
               </a:rPr>
-              <a:t>More data and research </a:t>
-            </a:r>
-            <a:r>
-              <a:rPr lang="en-US" sz="2400" dirty="0" smtClean="0">
+              <a:t>According to CDC, high glucose levels can damage blood vessels and nerves  that control the heart. </a:t>
+            </a:r>
+          </a:p>
+          <a:p>
+            <a:pPr marL="342900" indent="-342900">
+              <a:buFont typeface="Wingdings" panose="05000000000000000000" pitchFamily="2" charset="2"/>
+              <a:buChar char="v"/>
+            </a:pPr>
+            <a:endParaRPr lang="en-US" sz="2000" dirty="0">
+              <a:effectLst>
+                <a:glow rad="38100">
+                  <a:schemeClr val="bg1">
+                    <a:lumMod val="50000"/>
+                    <a:lumOff val="50000"/>
+                    <a:alpha val="20000"/>
+                  </a:schemeClr>
+                </a:glow>
+              </a:effectLst>
+            </a:endParaRPr>
+          </a:p>
+          <a:p>
+            <a:pPr marL="342900" indent="-342900">
+              <a:buFont typeface="Wingdings" panose="05000000000000000000" pitchFamily="2" charset="2"/>
+              <a:buChar char="v"/>
+            </a:pPr>
+            <a:r>
+              <a:rPr lang="en-US" sz="2000" dirty="0" smtClean="0">
                 <a:effectLst>
                   <a:glow rad="38100">
                     <a:schemeClr val="bg1">
@@ -6255,9 +6277,386 @@
                   </a:glow>
                 </a:effectLst>
               </a:rPr>
-              <a:t>is required.</a:t>
-            </a:r>
-            <a:endParaRPr lang="en-US" sz="2400" dirty="0"/>
+              <a:t>Findings are contradictory. </a:t>
+            </a:r>
+          </a:p>
+          <a:p>
+            <a:pPr marL="342900" indent="-342900">
+              <a:buFont typeface="Wingdings" panose="05000000000000000000" pitchFamily="2" charset="2"/>
+              <a:buChar char="v"/>
+            </a:pPr>
+            <a:endParaRPr lang="en-US" sz="2000" dirty="0">
+              <a:effectLst>
+                <a:glow rad="38100">
+                  <a:schemeClr val="bg1">
+                    <a:lumMod val="50000"/>
+                    <a:lumOff val="50000"/>
+                    <a:alpha val="20000"/>
+                  </a:schemeClr>
+                </a:glow>
+              </a:effectLst>
+            </a:endParaRPr>
+          </a:p>
+          <a:p>
+            <a:pPr marL="342900" indent="-342900">
+              <a:buFont typeface="Wingdings" panose="05000000000000000000" pitchFamily="2" charset="2"/>
+              <a:buChar char="v"/>
+            </a:pPr>
+            <a:r>
+              <a:rPr lang="en-US" sz="2000" dirty="0" smtClean="0">
+                <a:effectLst>
+                  <a:glow rad="38100">
+                    <a:schemeClr val="bg1">
+                      <a:lumMod val="50000"/>
+                      <a:lumOff val="50000"/>
+                      <a:alpha val="20000"/>
+                    </a:schemeClr>
+                  </a:glow>
+                </a:effectLst>
+              </a:rPr>
+              <a:t>Further </a:t>
+            </a:r>
+            <a:r>
+              <a:rPr lang="en-US" sz="2000" dirty="0" smtClean="0">
+                <a:effectLst>
+                  <a:glow rad="38100">
+                    <a:schemeClr val="bg1">
+                      <a:lumMod val="50000"/>
+                      <a:lumOff val="50000"/>
+                      <a:alpha val="20000"/>
+                    </a:schemeClr>
+                  </a:glow>
+                </a:effectLst>
+              </a:rPr>
+              <a:t>research is required.</a:t>
+            </a:r>
+            <a:endParaRPr lang="en-US" sz="2000" dirty="0"/>
+          </a:p>
+        </p:txBody>
+      </p:sp>
+      <p:pic>
+        <p:nvPicPr>
+          <p:cNvPr id="3" name="Picture 2"/>
+          <p:cNvPicPr>
+            <a:picLocks noChangeAspect="1"/>
+          </p:cNvPicPr>
+          <p:nvPr/>
+        </p:nvPicPr>
+        <p:blipFill>
+          <a:blip r:embed="rId2"/>
+          <a:stretch>
+            <a:fillRect/>
+          </a:stretch>
+        </p:blipFill>
+        <p:spPr>
+          <a:xfrm>
+            <a:off x="583367" y="2262888"/>
+            <a:ext cx="4338193" cy="3013647"/>
+          </a:xfrm>
+          <a:prstGeom prst="rect">
+            <a:avLst/>
+          </a:prstGeom>
+        </p:spPr>
+      </p:pic>
+    </p:spTree>
+    <p:extLst>
+      <p:ext uri="{BB962C8B-B14F-4D97-AF65-F5344CB8AC3E}">
+        <p14:creationId xmlns:p14="http://schemas.microsoft.com/office/powerpoint/2010/main" val="3175235475"/>
+      </p:ext>
+    </p:extLst>
+  </p:cSld>
+  <p:clrMapOvr>
+    <a:masterClrMapping/>
+  </p:clrMapOvr>
+  <p:timing>
+    <p:tnLst>
+      <p:par>
+        <p:cTn id="1" dur="indefinite" restart="never" nodeType="tmRoot"/>
+      </p:par>
+    </p:tnLst>
+  </p:timing>
+</p:sld>
+</file>
+
+<file path=ppt/slides/slide11.xml><?xml version="1.0" encoding="utf-8"?>
+<p:sld xmlns:a="http://schemas.openxmlformats.org/drawingml/2006/main" xmlns:r="http://schemas.openxmlformats.org/officeDocument/2006/relationships" xmlns:p="http://schemas.openxmlformats.org/presentationml/2006/main">
+  <p:cSld>
+    <p:spTree>
+      <p:nvGrpSpPr>
+        <p:cNvPr id="1" name=""/>
+        <p:cNvGrpSpPr/>
+        <p:nvPr/>
+      </p:nvGrpSpPr>
+      <p:grpSpPr>
+        <a:xfrm>
+          <a:off x="0" y="0"/>
+          <a:ext cx="0" cy="0"/>
+          <a:chOff x="0" y="0"/>
+          <a:chExt cx="0" cy="0"/>
+        </a:xfrm>
+      </p:grpSpPr>
+      <p:sp>
+        <p:nvSpPr>
+          <p:cNvPr id="2" name="Title 1"/>
+          <p:cNvSpPr>
+            <a:spLocks noGrp="1"/>
+          </p:cNvSpPr>
+          <p:nvPr>
+            <p:ph type="title"/>
+          </p:nvPr>
+        </p:nvSpPr>
+        <p:spPr/>
+        <p:txBody>
+          <a:bodyPr>
+            <a:normAutofit fontScale="90000"/>
+          </a:bodyPr>
+          <a:lstStyle/>
+          <a:p>
+            <a:pPr algn="ctr"/>
+            <a:r>
+              <a:rPr lang="en-US" sz="5000" dirty="0" smtClean="0">
+                <a:solidFill>
+                  <a:schemeClr val="tx1"/>
+                </a:solidFill>
+              </a:rPr>
+              <a:t>Exercise Induced Angina vs Heart Disease</a:t>
+            </a:r>
+            <a:br>
+              <a:rPr lang="en-US" sz="5000" dirty="0" smtClean="0">
+                <a:solidFill>
+                  <a:schemeClr val="tx1"/>
+                </a:solidFill>
+              </a:rPr>
+            </a:br>
+            <a:r>
+              <a:rPr lang="en-US" sz="3200" dirty="0" smtClean="0">
+                <a:solidFill>
+                  <a:schemeClr val="tx1"/>
+                </a:solidFill>
+              </a:rPr>
+              <a:t>EDA Continued…</a:t>
+            </a:r>
+            <a:endParaRPr lang="en-US" sz="3200" cap="none" dirty="0">
+              <a:solidFill>
+                <a:schemeClr val="tx1"/>
+              </a:solidFill>
+            </a:endParaRPr>
+          </a:p>
+        </p:txBody>
+      </p:sp>
+      <p:sp>
+        <p:nvSpPr>
+          <p:cNvPr id="6" name="TextBox 5"/>
+          <p:cNvSpPr txBox="1"/>
+          <p:nvPr/>
+        </p:nvSpPr>
+        <p:spPr>
+          <a:xfrm>
+            <a:off x="5380504" y="2448585"/>
+            <a:ext cx="6116952" cy="3477875"/>
+          </a:xfrm>
+          <a:prstGeom prst="rect">
+            <a:avLst/>
+          </a:prstGeom>
+          <a:noFill/>
+        </p:spPr>
+        <p:txBody>
+          <a:bodyPr wrap="square" rtlCol="0">
+            <a:spAutoFit/>
+          </a:bodyPr>
+          <a:lstStyle/>
+          <a:p>
+            <a:pPr marL="342900" indent="-342900">
+              <a:buFont typeface="Wingdings" panose="05000000000000000000" pitchFamily="2" charset="2"/>
+              <a:buChar char="v"/>
+            </a:pPr>
+            <a:r>
+              <a:rPr lang="en-US" sz="2000" dirty="0" smtClean="0">
+                <a:effectLst>
+                  <a:glow rad="38100">
+                    <a:schemeClr val="bg1">
+                      <a:lumMod val="50000"/>
+                      <a:lumOff val="50000"/>
+                      <a:alpha val="20000"/>
+                    </a:schemeClr>
+                  </a:glow>
+                </a:effectLst>
+              </a:rPr>
+              <a:t>Observation: </a:t>
+            </a:r>
+            <a:r>
+              <a:rPr lang="en-US" sz="2000" dirty="0"/>
+              <a:t>Many people </a:t>
+            </a:r>
+            <a:r>
+              <a:rPr lang="en-US" sz="2000" dirty="0" smtClean="0"/>
+              <a:t>with exercise </a:t>
+            </a:r>
+            <a:r>
+              <a:rPr lang="en-US" sz="2000" dirty="0"/>
+              <a:t>induced angina do not develop heart disease</a:t>
+            </a:r>
+            <a:r>
+              <a:rPr lang="en-US" sz="2000" dirty="0" smtClean="0"/>
+              <a:t>.</a:t>
+            </a:r>
+          </a:p>
+          <a:p>
+            <a:pPr marL="342900" indent="-342900">
+              <a:buFont typeface="Wingdings" panose="05000000000000000000" pitchFamily="2" charset="2"/>
+              <a:buChar char="v"/>
+            </a:pPr>
+            <a:endParaRPr lang="en-US" sz="2000" dirty="0">
+              <a:effectLst>
+                <a:glow rad="38100">
+                  <a:schemeClr val="bg1">
+                    <a:lumMod val="50000"/>
+                    <a:lumOff val="50000"/>
+                    <a:alpha val="20000"/>
+                  </a:schemeClr>
+                </a:glow>
+              </a:effectLst>
+            </a:endParaRPr>
+          </a:p>
+          <a:p>
+            <a:pPr marL="342900" indent="-342900">
+              <a:buFont typeface="Wingdings" panose="05000000000000000000" pitchFamily="2" charset="2"/>
+              <a:buChar char="v"/>
+            </a:pPr>
+            <a:r>
+              <a:rPr lang="en-US" sz="2000" dirty="0" smtClean="0">
+                <a:effectLst>
+                  <a:glow rad="38100">
+                    <a:schemeClr val="bg1">
+                      <a:lumMod val="50000"/>
+                      <a:lumOff val="50000"/>
+                      <a:alpha val="20000"/>
+                    </a:schemeClr>
+                  </a:glow>
+                </a:effectLst>
+              </a:rPr>
+              <a:t>According to Clevelandclinic.org, chest pain during exercise is a warning sign for heart disease.</a:t>
+            </a:r>
+          </a:p>
+          <a:p>
+            <a:pPr marL="342900" indent="-342900">
+              <a:buFont typeface="Wingdings" panose="05000000000000000000" pitchFamily="2" charset="2"/>
+              <a:buChar char="v"/>
+            </a:pPr>
+            <a:endParaRPr lang="en-US" sz="2000" dirty="0">
+              <a:effectLst>
+                <a:glow rad="38100">
+                  <a:schemeClr val="bg1">
+                    <a:lumMod val="50000"/>
+                    <a:lumOff val="50000"/>
+                    <a:alpha val="20000"/>
+                  </a:schemeClr>
+                </a:glow>
+              </a:effectLst>
+            </a:endParaRPr>
+          </a:p>
+          <a:p>
+            <a:pPr marL="342900" indent="-342900">
+              <a:buFont typeface="Wingdings" panose="05000000000000000000" pitchFamily="2" charset="2"/>
+              <a:buChar char="v"/>
+            </a:pPr>
+            <a:r>
+              <a:rPr lang="en-US" sz="2000" dirty="0" smtClean="0">
+                <a:effectLst>
+                  <a:glow rad="38100">
+                    <a:schemeClr val="bg1">
+                      <a:lumMod val="50000"/>
+                      <a:lumOff val="50000"/>
+                      <a:alpha val="20000"/>
+                    </a:schemeClr>
+                  </a:glow>
+                </a:effectLst>
+              </a:rPr>
+              <a:t>Contradictory results. </a:t>
+            </a:r>
+            <a:endParaRPr lang="en-US" sz="2000" dirty="0" smtClean="0">
+              <a:effectLst>
+                <a:glow rad="38100">
+                  <a:schemeClr val="bg1">
+                    <a:lumMod val="50000"/>
+                    <a:lumOff val="50000"/>
+                    <a:alpha val="20000"/>
+                  </a:schemeClr>
+                </a:glow>
+              </a:effectLst>
+            </a:endParaRPr>
+          </a:p>
+          <a:p>
+            <a:pPr lvl="1" algn="ctr"/>
+            <a:endParaRPr lang="en-US" sz="2000" dirty="0">
+              <a:effectLst>
+                <a:glow rad="38100">
+                  <a:schemeClr val="bg1">
+                    <a:lumMod val="50000"/>
+                    <a:lumOff val="50000"/>
+                    <a:alpha val="20000"/>
+                  </a:schemeClr>
+                </a:glow>
+              </a:effectLst>
+            </a:endParaRPr>
+          </a:p>
+          <a:p>
+            <a:pPr lvl="1" algn="ctr"/>
+            <a:r>
+              <a:rPr lang="en-US" sz="2000" dirty="0" smtClean="0">
+                <a:solidFill>
+                  <a:schemeClr val="accent5">
+                    <a:lumMod val="60000"/>
+                    <a:lumOff val="40000"/>
+                  </a:schemeClr>
+                </a:solidFill>
+                <a:effectLst>
+                  <a:glow rad="38100">
+                    <a:schemeClr val="bg1">
+                      <a:lumMod val="50000"/>
+                      <a:lumOff val="50000"/>
+                      <a:alpha val="20000"/>
+                    </a:schemeClr>
+                  </a:glow>
+                </a:effectLst>
+              </a:rPr>
+              <a:t>Selection Bias? </a:t>
+            </a:r>
+          </a:p>
+          <a:p>
+            <a:pPr lvl="1" algn="ctr"/>
+            <a:endParaRPr lang="en-US" sz="2000" dirty="0">
+              <a:effectLst>
+                <a:glow rad="38100">
+                  <a:schemeClr val="bg1">
+                    <a:lumMod val="50000"/>
+                    <a:lumOff val="50000"/>
+                    <a:alpha val="20000"/>
+                  </a:schemeClr>
+                </a:glow>
+              </a:effectLst>
+            </a:endParaRPr>
+          </a:p>
+          <a:p>
+            <a:pPr marL="342900" indent="-342900">
+              <a:buFont typeface="Wingdings" panose="05000000000000000000" pitchFamily="2" charset="2"/>
+              <a:buChar char="v"/>
+            </a:pPr>
+            <a:r>
+              <a:rPr lang="en-US" sz="2000" dirty="0" smtClean="0">
+                <a:effectLst>
+                  <a:glow rad="38100">
+                    <a:schemeClr val="bg1">
+                      <a:lumMod val="50000"/>
+                      <a:lumOff val="50000"/>
+                      <a:alpha val="20000"/>
+                    </a:schemeClr>
+                  </a:glow>
+                </a:effectLst>
+              </a:rPr>
+              <a:t>More data and research is required.</a:t>
+            </a:r>
+            <a:endParaRPr lang="en-US" sz="2000" dirty="0"/>
           </a:p>
         </p:txBody>
       </p:sp>
@@ -6305,7 +6704,7 @@
 </p:sld>
 </file>
 
-<file path=ppt/slides/slide11.xml><?xml version="1.0" encoding="utf-8"?>
+<file path=ppt/slides/slide12.xml><?xml version="1.0" encoding="utf-8"?>
 <p:sld xmlns:a="http://schemas.openxmlformats.org/drawingml/2006/main" xmlns:r="http://schemas.openxmlformats.org/officeDocument/2006/relationships" xmlns:p="http://schemas.openxmlformats.org/presentationml/2006/main">
   <p:cSld>
     <p:spTree>
@@ -6674,7 +7073,7 @@
 </p:sld>
 </file>
 
-<file path=ppt/slides/slide12.xml><?xml version="1.0" encoding="utf-8"?>
+<file path=ppt/slides/slide13.xml><?xml version="1.0" encoding="utf-8"?>
 <p:sld xmlns:a="http://schemas.openxmlformats.org/drawingml/2006/main" xmlns:r="http://schemas.openxmlformats.org/officeDocument/2006/relationships" xmlns:p="http://schemas.openxmlformats.org/presentationml/2006/main">
   <p:cSld>
     <p:spTree>
@@ -7218,7 +7617,7 @@
 </p:sld>
 </file>
 
-<file path=ppt/slides/slide13.xml><?xml version="1.0" encoding="utf-8"?>
+<file path=ppt/slides/slide14.xml><?xml version="1.0" encoding="utf-8"?>
 <p:sld xmlns:a="http://schemas.openxmlformats.org/drawingml/2006/main" xmlns:r="http://schemas.openxmlformats.org/officeDocument/2006/relationships" xmlns:p="http://schemas.openxmlformats.org/presentationml/2006/main">
   <p:cSld>
     <p:spTree>
@@ -7727,7 +8126,7 @@
 </p:sld>
 </file>
 
-<file path=ppt/slides/slide14.xml><?xml version="1.0" encoding="utf-8"?>
+<file path=ppt/slides/slide15.xml><?xml version="1.0" encoding="utf-8"?>
 <p:sld xmlns:a="http://schemas.openxmlformats.org/drawingml/2006/main" xmlns:r="http://schemas.openxmlformats.org/officeDocument/2006/relationships" xmlns:p="http://schemas.openxmlformats.org/presentationml/2006/main">
   <p:cSld>
     <p:spTree>
@@ -8096,7 +8495,7 @@
 </p:sld>
 </file>
 
-<file path=ppt/slides/slide15.xml><?xml version="1.0" encoding="utf-8"?>
+<file path=ppt/slides/slide16.xml><?xml version="1.0" encoding="utf-8"?>
 <p:sld xmlns:a="http://schemas.openxmlformats.org/drawingml/2006/main" xmlns:r="http://schemas.openxmlformats.org/officeDocument/2006/relationships" xmlns:p="http://schemas.openxmlformats.org/presentationml/2006/main">
   <p:cSld>
     <p:spTree>
@@ -8290,7 +8689,7 @@
 </p:sld>
 </file>
 
-<file path=ppt/slides/slide16.xml><?xml version="1.0" encoding="utf-8"?>
+<file path=ppt/slides/slide17.xml><?xml version="1.0" encoding="utf-8"?>
 <p:sld xmlns:a="http://schemas.openxmlformats.org/drawingml/2006/main" xmlns:r="http://schemas.openxmlformats.org/officeDocument/2006/relationships" xmlns:p="http://schemas.openxmlformats.org/presentationml/2006/main">
   <p:cSld>
     <p:spTree>
@@ -8367,7 +8766,6 @@
               <a:rPr lang="en-US" dirty="0" smtClean="0"/>
               <a:t>Easy to cross validate</a:t>
             </a:r>
-            <a:endParaRPr lang="en-US" dirty="0" smtClean="0"/>
           </a:p>
           <a:p>
             <a:r>
@@ -8386,7 +8784,6 @@
               <a:rPr lang="en-US" dirty="0" smtClean="0"/>
               <a:t>Does not over fit</a:t>
             </a:r>
-            <a:endParaRPr lang="en-US" dirty="0" smtClean="0"/>
           </a:p>
           <a:p>
             <a:r>
@@ -8442,119 +8839,6 @@
 </p:sld>
 </file>
 
-<file path=ppt/slides/slide17.xml><?xml version="1.0" encoding="utf-8"?>
-<p:sld xmlns:a="http://schemas.openxmlformats.org/drawingml/2006/main" xmlns:r="http://schemas.openxmlformats.org/officeDocument/2006/relationships" xmlns:p="http://schemas.openxmlformats.org/presentationml/2006/main">
-  <p:cSld>
-    <p:spTree>
-      <p:nvGrpSpPr>
-        <p:cNvPr id="1" name=""/>
-        <p:cNvGrpSpPr/>
-        <p:nvPr/>
-      </p:nvGrpSpPr>
-      <p:grpSpPr>
-        <a:xfrm>
-          <a:off x="0" y="0"/>
-          <a:ext cx="0" cy="0"/>
-          <a:chOff x="0" y="0"/>
-          <a:chExt cx="0" cy="0"/>
-        </a:xfrm>
-      </p:grpSpPr>
-      <p:sp>
-        <p:nvSpPr>
-          <p:cNvPr id="2" name="Title 1"/>
-          <p:cNvSpPr>
-            <a:spLocks noGrp="1"/>
-          </p:cNvSpPr>
-          <p:nvPr>
-            <p:ph type="title"/>
-          </p:nvPr>
-        </p:nvSpPr>
-        <p:spPr/>
-        <p:txBody>
-          <a:bodyPr/>
-          <a:lstStyle/>
-          <a:p>
-            <a:r>
-              <a:rPr lang="en-US" dirty="0" smtClean="0"/>
-              <a:t>Why Choose </a:t>
-            </a:r>
-            <a:r>
-              <a:rPr lang="en-US" dirty="0" err="1" smtClean="0"/>
-              <a:t>KNeighborsClassifier</a:t>
-            </a:r>
-            <a:r>
-              <a:rPr lang="en-US" dirty="0" smtClean="0"/>
-              <a:t>?</a:t>
-            </a:r>
-            <a:endParaRPr lang="en-US" dirty="0"/>
-          </a:p>
-        </p:txBody>
-      </p:sp>
-      <p:sp>
-        <p:nvSpPr>
-          <p:cNvPr id="3" name="Content Placeholder 2"/>
-          <p:cNvSpPr>
-            <a:spLocks noGrp="1"/>
-          </p:cNvSpPr>
-          <p:nvPr>
-            <p:ph idx="1"/>
-          </p:nvPr>
-        </p:nvSpPr>
-        <p:spPr/>
-        <p:txBody>
-          <a:bodyPr/>
-          <a:lstStyle/>
-          <a:p>
-            <a:r>
-              <a:rPr lang="en-US" dirty="0" smtClean="0"/>
-              <a:t>Easy to implement</a:t>
-            </a:r>
-          </a:p>
-          <a:p>
-            <a:r>
-              <a:rPr lang="en-US" dirty="0" smtClean="0"/>
-              <a:t>Fewer parameters to tune: k and distance metric</a:t>
-            </a:r>
-          </a:p>
-          <a:p>
-            <a:r>
-              <a:rPr lang="en-US" dirty="0" smtClean="0"/>
-              <a:t>No training required to make predictions</a:t>
-            </a:r>
-          </a:p>
-          <a:p>
-            <a:r>
-              <a:rPr lang="en-US" dirty="0" smtClean="0"/>
-              <a:t>New data can be added when predicting without impacting the outcome</a:t>
-            </a:r>
-          </a:p>
-          <a:p>
-            <a:endParaRPr lang="en-US" dirty="0" smtClean="0"/>
-          </a:p>
-          <a:p>
-            <a:endParaRPr lang="en-US" dirty="0" smtClean="0"/>
-          </a:p>
-          <a:p>
-            <a:endParaRPr lang="en-US" dirty="0" smtClean="0"/>
-          </a:p>
-          <a:p>
-            <a:endParaRPr lang="en-US" dirty="0"/>
-          </a:p>
-        </p:txBody>
-      </p:sp>
-    </p:spTree>
-    <p:extLst>
-      <p:ext uri="{BB962C8B-B14F-4D97-AF65-F5344CB8AC3E}">
-        <p14:creationId xmlns:p14="http://schemas.microsoft.com/office/powerpoint/2010/main" val="3756963278"/>
-      </p:ext>
-    </p:extLst>
-  </p:cSld>
-  <p:clrMapOvr>
-    <a:masterClrMapping/>
-  </p:clrMapOvr>
-</p:sld>
-</file>
-
 <file path=ppt/slides/slide18.xml><?xml version="1.0" encoding="utf-8"?>
 <p:sld xmlns:a="http://schemas.openxmlformats.org/drawingml/2006/main" xmlns:r="http://schemas.openxmlformats.org/officeDocument/2006/relationships" xmlns:p="http://schemas.openxmlformats.org/presentationml/2006/main">
   <p:cSld>
@@ -8589,7 +8873,15 @@
           <a:p>
             <a:r>
               <a:rPr lang="en-US" dirty="0" smtClean="0"/>
-              <a:t>Why Choose Logistic Regression?</a:t>
+              <a:t>Why Choose </a:t>
+            </a:r>
+            <a:r>
+              <a:rPr lang="en-US" dirty="0" err="1" smtClean="0"/>
+              <a:t>KNeighborsClassifier</a:t>
+            </a:r>
+            <a:r>
+              <a:rPr lang="en-US" dirty="0" smtClean="0"/>
+              <a:t>?</a:t>
             </a:r>
             <a:endParaRPr lang="en-US" dirty="0"/>
           </a:p>
@@ -8612,54 +8904,32 @@
           <a:p>
             <a:r>
               <a:rPr lang="en-US" dirty="0" smtClean="0"/>
-              <a:t>Easier </a:t>
-            </a:r>
-            <a:r>
-              <a:rPr lang="en-US" dirty="0"/>
-              <a:t>to implement, interpret, and </a:t>
-            </a:r>
+              <a:t>Easy to implement</a:t>
+            </a:r>
+          </a:p>
+          <a:p>
             <a:r>
               <a:rPr lang="en-US" dirty="0" smtClean="0"/>
-              <a:t>efficient </a:t>
-            </a:r>
-            <a:r>
-              <a:rPr lang="en-US" dirty="0"/>
-              <a:t>to </a:t>
-            </a:r>
+              <a:t>Fewer parameters to tune: k and distance metric</a:t>
+            </a:r>
+          </a:p>
+          <a:p>
             <a:r>
               <a:rPr lang="en-US" dirty="0" smtClean="0"/>
-              <a:t>train without requiring high computational power.</a:t>
+              <a:t>No training required to make predictions</a:t>
             </a:r>
           </a:p>
           <a:p>
             <a:r>
               <a:rPr lang="en-US" dirty="0" smtClean="0"/>
-              <a:t>The feature importance of features can be identified with negative or positive direction.</a:t>
-            </a:r>
-          </a:p>
-          <a:p>
-            <a:r>
-              <a:rPr lang="en-US" dirty="0" smtClean="0"/>
-              <a:t>Very </a:t>
-            </a:r>
-            <a:r>
-              <a:rPr lang="en-US" dirty="0"/>
-              <a:t>fast at classifying unknown </a:t>
-            </a:r>
-            <a:r>
-              <a:rPr lang="en-US" dirty="0" smtClean="0"/>
-              <a:t>records</a:t>
-            </a:r>
-          </a:p>
-          <a:p>
-            <a:r>
-              <a:rPr lang="en-US" dirty="0"/>
-              <a:t>Good </a:t>
-            </a:r>
-            <a:r>
-              <a:rPr lang="en-US" dirty="0" smtClean="0"/>
-              <a:t>accuracy</a:t>
-            </a:r>
+              <a:t>New data can be added when predicting without impacting the outcome</a:t>
+            </a:r>
+          </a:p>
+          <a:p>
+            <a:endParaRPr lang="en-US" dirty="0" smtClean="0"/>
+          </a:p>
+          <a:p>
+            <a:endParaRPr lang="en-US" dirty="0" smtClean="0"/>
           </a:p>
           <a:p>
             <a:endParaRPr lang="en-US" dirty="0" smtClean="0"/>
@@ -8672,7 +8942,7 @@
     </p:spTree>
     <p:extLst>
       <p:ext uri="{BB962C8B-B14F-4D97-AF65-F5344CB8AC3E}">
-        <p14:creationId xmlns:p14="http://schemas.microsoft.com/office/powerpoint/2010/main" val="3572774747"/>
+        <p14:creationId xmlns:p14="http://schemas.microsoft.com/office/powerpoint/2010/main" val="3756963278"/>
       </p:ext>
     </p:extLst>
   </p:cSld>
@@ -8716,15 +8986,7 @@
           <a:p>
             <a:r>
               <a:rPr lang="en-US" dirty="0" smtClean="0"/>
-              <a:t>Why Choose </a:t>
-            </a:r>
-            <a:r>
-              <a:rPr lang="en-US" dirty="0" err="1" smtClean="0"/>
-              <a:t>XGBClassifier</a:t>
-            </a:r>
-            <a:r>
-              <a:rPr lang="en-US" dirty="0" smtClean="0"/>
-              <a:t>?</a:t>
+              <a:t>Why Choose Logistic Regression?</a:t>
             </a:r>
             <a:endParaRPr lang="en-US" dirty="0"/>
           </a:p>
@@ -8747,41 +9009,54 @@
           <a:p>
             <a:r>
               <a:rPr lang="en-US" dirty="0" smtClean="0"/>
-              <a:t>Works </a:t>
+              <a:t>Easier </a:t>
             </a:r>
             <a:r>
               <a:rPr lang="en-US" dirty="0"/>
-              <a:t>well in small to medium </a:t>
+              <a:t>to implement, interpret, and </a:t>
             </a:r>
             <a:r>
               <a:rPr lang="en-US" dirty="0" smtClean="0"/>
-              <a:t>datasets</a:t>
-            </a:r>
-          </a:p>
-          <a:p>
+              <a:t>efficient </a:t>
+            </a:r>
             <a:r>
               <a:rPr lang="en-US" dirty="0"/>
-              <a:t>supports </a:t>
+              <a:t>to </a:t>
             </a:r>
             <a:r>
               <a:rPr lang="en-US" dirty="0" smtClean="0"/>
-              <a:t>regularization to avoid overfitting</a:t>
+              <a:t>train without requiring high computational power.</a:t>
             </a:r>
           </a:p>
           <a:p>
             <a:r>
               <a:rPr lang="en-US" dirty="0" smtClean="0"/>
-              <a:t>Faster because it uses parallel processing</a:t>
+              <a:t>The feature importance of features can be identified with negative or positive direction.</a:t>
             </a:r>
           </a:p>
           <a:p>
             <a:r>
               <a:rPr lang="en-US" dirty="0" smtClean="0"/>
-              <a:t>Allows to run cross-validation on each iteration</a:t>
-            </a:r>
-          </a:p>
-          <a:p>
-            <a:endParaRPr lang="en-US" dirty="0"/>
+              <a:t>Very </a:t>
+            </a:r>
+            <a:r>
+              <a:rPr lang="en-US" dirty="0"/>
+              <a:t>fast at classifying unknown </a:t>
+            </a:r>
+            <a:r>
+              <a:rPr lang="en-US" dirty="0" smtClean="0"/>
+              <a:t>records</a:t>
+            </a:r>
+          </a:p>
+          <a:p>
+            <a:r>
+              <a:rPr lang="en-US" dirty="0"/>
+              <a:t>Good </a:t>
+            </a:r>
+            <a:r>
+              <a:rPr lang="en-US" dirty="0" smtClean="0"/>
+              <a:t>accuracy</a:t>
+            </a:r>
           </a:p>
           <a:p>
             <a:endParaRPr lang="en-US" dirty="0" smtClean="0"/>
@@ -8794,7 +9069,7 @@
     </p:spTree>
     <p:extLst>
       <p:ext uri="{BB962C8B-B14F-4D97-AF65-F5344CB8AC3E}">
-        <p14:creationId xmlns:p14="http://schemas.microsoft.com/office/powerpoint/2010/main" val="2919454326"/>
+        <p14:creationId xmlns:p14="http://schemas.microsoft.com/office/powerpoint/2010/main" val="3572774747"/>
       </p:ext>
     </p:extLst>
   </p:cSld>
@@ -8976,6 +9251,128 @@
             <p:ph type="title"/>
           </p:nvPr>
         </p:nvSpPr>
+        <p:spPr/>
+        <p:txBody>
+          <a:bodyPr/>
+          <a:lstStyle/>
+          <a:p>
+            <a:r>
+              <a:rPr lang="en-US" dirty="0" smtClean="0"/>
+              <a:t>Why Choose </a:t>
+            </a:r>
+            <a:r>
+              <a:rPr lang="en-US" dirty="0" err="1" smtClean="0"/>
+              <a:t>XGBClassifier</a:t>
+            </a:r>
+            <a:r>
+              <a:rPr lang="en-US" dirty="0" smtClean="0"/>
+              <a:t>?</a:t>
+            </a:r>
+            <a:endParaRPr lang="en-US" dirty="0"/>
+          </a:p>
+        </p:txBody>
+      </p:sp>
+      <p:sp>
+        <p:nvSpPr>
+          <p:cNvPr id="3" name="Content Placeholder 2"/>
+          <p:cNvSpPr>
+            <a:spLocks noGrp="1"/>
+          </p:cNvSpPr>
+          <p:nvPr>
+            <p:ph idx="1"/>
+          </p:nvPr>
+        </p:nvSpPr>
+        <p:spPr/>
+        <p:txBody>
+          <a:bodyPr/>
+          <a:lstStyle/>
+          <a:p>
+            <a:r>
+              <a:rPr lang="en-US" dirty="0" smtClean="0"/>
+              <a:t>Works </a:t>
+            </a:r>
+            <a:r>
+              <a:rPr lang="en-US" dirty="0"/>
+              <a:t>well in small to medium </a:t>
+            </a:r>
+            <a:r>
+              <a:rPr lang="en-US" dirty="0" smtClean="0"/>
+              <a:t>datasets</a:t>
+            </a:r>
+          </a:p>
+          <a:p>
+            <a:r>
+              <a:rPr lang="en-US" dirty="0"/>
+              <a:t>supports </a:t>
+            </a:r>
+            <a:r>
+              <a:rPr lang="en-US" dirty="0" smtClean="0"/>
+              <a:t>regularization to avoid overfitting</a:t>
+            </a:r>
+          </a:p>
+          <a:p>
+            <a:r>
+              <a:rPr lang="en-US" dirty="0" smtClean="0"/>
+              <a:t>Faster because it uses parallel processing</a:t>
+            </a:r>
+          </a:p>
+          <a:p>
+            <a:r>
+              <a:rPr lang="en-US" dirty="0" smtClean="0"/>
+              <a:t>Allows to run cross-validation on each iteration</a:t>
+            </a:r>
+          </a:p>
+          <a:p>
+            <a:endParaRPr lang="en-US" dirty="0"/>
+          </a:p>
+          <a:p>
+            <a:endParaRPr lang="en-US" dirty="0" smtClean="0"/>
+          </a:p>
+          <a:p>
+            <a:endParaRPr lang="en-US" dirty="0"/>
+          </a:p>
+        </p:txBody>
+      </p:sp>
+    </p:spTree>
+    <p:extLst>
+      <p:ext uri="{BB962C8B-B14F-4D97-AF65-F5344CB8AC3E}">
+        <p14:creationId xmlns:p14="http://schemas.microsoft.com/office/powerpoint/2010/main" val="2919454326"/>
+      </p:ext>
+    </p:extLst>
+  </p:cSld>
+  <p:clrMapOvr>
+    <a:masterClrMapping/>
+  </p:clrMapOvr>
+</p:sld>
+</file>
+
+<file path=ppt/slides/slide21.xml><?xml version="1.0" encoding="utf-8"?>
+<p:sld xmlns:a="http://schemas.openxmlformats.org/drawingml/2006/main" xmlns:r="http://schemas.openxmlformats.org/officeDocument/2006/relationships" xmlns:p="http://schemas.openxmlformats.org/presentationml/2006/main">
+  <p:cSld>
+    <p:spTree>
+      <p:nvGrpSpPr>
+        <p:cNvPr id="1" name=""/>
+        <p:cNvGrpSpPr/>
+        <p:nvPr/>
+      </p:nvGrpSpPr>
+      <p:grpSpPr>
+        <a:xfrm>
+          <a:off x="0" y="0"/>
+          <a:ext cx="0" cy="0"/>
+          <a:chOff x="0" y="0"/>
+          <a:chExt cx="0" cy="0"/>
+        </a:xfrm>
+      </p:grpSpPr>
+      <p:sp>
+        <p:nvSpPr>
+          <p:cNvPr id="2" name="Title 1"/>
+          <p:cNvSpPr>
+            <a:spLocks noGrp="1"/>
+          </p:cNvSpPr>
+          <p:nvPr>
+            <p:ph type="title"/>
+          </p:nvPr>
+        </p:nvSpPr>
         <p:spPr>
           <a:xfrm>
             <a:off x="943131" y="193999"/>
@@ -9425,7 +9822,7 @@
 </p:sld>
 </file>
 
-<file path=ppt/slides/slide21.xml><?xml version="1.0" encoding="utf-8"?>
+<file path=ppt/slides/slide22.xml><?xml version="1.0" encoding="utf-8"?>
 <p:sld xmlns:a="http://schemas.openxmlformats.org/drawingml/2006/main" xmlns:r="http://schemas.openxmlformats.org/officeDocument/2006/relationships" xmlns:p="http://schemas.openxmlformats.org/presentationml/2006/main">
   <p:cSld>
     <p:spTree>
@@ -10432,7 +10829,7 @@
 </p:sld>
 </file>
 
-<file path=ppt/slides/slide22.xml><?xml version="1.0" encoding="utf-8"?>
+<file path=ppt/slides/slide23.xml><?xml version="1.0" encoding="utf-8"?>
 <p:sld xmlns:a="http://schemas.openxmlformats.org/drawingml/2006/main" xmlns:r="http://schemas.openxmlformats.org/officeDocument/2006/relationships" xmlns:p="http://schemas.openxmlformats.org/presentationml/2006/main">
   <p:cSld>
     <p:spTree>
@@ -10661,7 +11058,7 @@
 </p:sld>
 </file>
 
-<file path=ppt/slides/slide23.xml><?xml version="1.0" encoding="utf-8"?>
+<file path=ppt/slides/slide24.xml><?xml version="1.0" encoding="utf-8"?>
 <p:sld xmlns:a="http://schemas.openxmlformats.org/drawingml/2006/main" xmlns:r="http://schemas.openxmlformats.org/officeDocument/2006/relationships" xmlns:p="http://schemas.openxmlformats.org/presentationml/2006/main">
   <p:cSld>
     <p:spTree>
@@ -10800,7 +11197,7 @@
 </p:sld>
 </file>
 
-<file path=ppt/slides/slide24.xml><?xml version="1.0" encoding="utf-8"?>
+<file path=ppt/slides/slide25.xml><?xml version="1.0" encoding="utf-8"?>
 <p:sld xmlns:a="http://schemas.openxmlformats.org/drawingml/2006/main" xmlns:r="http://schemas.openxmlformats.org/officeDocument/2006/relationships" xmlns:p="http://schemas.openxmlformats.org/presentationml/2006/main">
   <p:cSld>
     <p:spTree>
@@ -10972,7 +11369,7 @@
 </p:sld>
 </file>
 
-<file path=ppt/slides/slide25.xml><?xml version="1.0" encoding="utf-8"?>
+<file path=ppt/slides/slide26.xml><?xml version="1.0" encoding="utf-8"?>
 <p:sld xmlns:a="http://schemas.openxmlformats.org/drawingml/2006/main" xmlns:r="http://schemas.openxmlformats.org/officeDocument/2006/relationships" xmlns:p="http://schemas.openxmlformats.org/presentationml/2006/main">
   <p:cSld>
     <p:spTree>
@@ -11009,7 +11406,6 @@
               <a:rPr lang="en-US" dirty="0"/>
               <a:t>Evaluating The Model Continues…</a:t>
             </a:r>
-            <a:endParaRPr lang="en-US" dirty="0"/>
           </a:p>
         </p:txBody>
       </p:sp>
@@ -11371,11 +11767,15 @@
           <a:p>
             <a:r>
               <a:rPr lang="en-US" sz="2600" dirty="0" smtClean="0"/>
-              <a:t>Reducing the </a:t>
+              <a:t>Improving true positives and r</a:t>
+            </a:r>
+            <a:r>
+              <a:rPr lang="en-US" sz="2600" dirty="0" smtClean="0"/>
+              <a:t>educing false </a:t>
             </a:r>
             <a:r>
               <a:rPr lang="en-US" sz="2600" dirty="0"/>
-              <a:t>false negative values (truly have a higher risk, yet predicts as not) is more important than reducing false positives (model predicts are high risk when they're not). </a:t>
+              <a:t>negative values (truly have a higher risk, yet predicts as not) is more important than reducing false positives (model predicts are high risk when they're not). </a:t>
             </a:r>
             <a:endParaRPr lang="en-US" sz="2600" dirty="0" smtClean="0"/>
           </a:p>
@@ -11428,7 +11828,7 @@
 </p:sld>
 </file>
 
-<file path=ppt/slides/slide26.xml><?xml version="1.0" encoding="utf-8"?>
+<file path=ppt/slides/slide27.xml><?xml version="1.0" encoding="utf-8"?>
 <p:sld xmlns:a="http://schemas.openxmlformats.org/drawingml/2006/main" xmlns:r="http://schemas.openxmlformats.org/officeDocument/2006/relationships" xmlns:p="http://schemas.openxmlformats.org/presentationml/2006/main">
   <p:cSld>
     <p:spTree>
@@ -11465,7 +11865,6 @@
               <a:rPr lang="en-US" dirty="0"/>
               <a:t>Evaluating The Model Continues…</a:t>
             </a:r>
-            <a:endParaRPr lang="en-US" dirty="0"/>
           </a:p>
         </p:txBody>
       </p:sp>
@@ -11535,7 +11934,7 @@
 </p:sld>
 </file>
 
-<file path=ppt/slides/slide27.xml><?xml version="1.0" encoding="utf-8"?>
+<file path=ppt/slides/slide28.xml><?xml version="1.0" encoding="utf-8"?>
 <p:sld xmlns:a="http://schemas.openxmlformats.org/drawingml/2006/main" xmlns:r="http://schemas.openxmlformats.org/officeDocument/2006/relationships" xmlns:p="http://schemas.openxmlformats.org/presentationml/2006/main">
   <p:cSld>
     <p:spTree>
@@ -11572,7 +11971,6 @@
               <a:rPr lang="en-US" dirty="0"/>
               <a:t>Evaluating The Model Continues…</a:t>
             </a:r>
-            <a:endParaRPr lang="en-US" dirty="0"/>
           </a:p>
         </p:txBody>
       </p:sp>
@@ -12263,7 +12661,7 @@
 </p:sld>
 </file>
 
-<file path=ppt/slides/slide28.xml><?xml version="1.0" encoding="utf-8"?>
+<file path=ppt/slides/slide29.xml><?xml version="1.0" encoding="utf-8"?>
 <p:sld xmlns:a="http://schemas.openxmlformats.org/drawingml/2006/main" xmlns:r="http://schemas.openxmlformats.org/officeDocument/2006/relationships" xmlns:p="http://schemas.openxmlformats.org/presentationml/2006/main">
   <p:cSld>
     <p:spTree>
@@ -12326,11 +12724,7 @@
           <a:p>
             <a:r>
               <a:rPr lang="en-US" sz="2400" dirty="0" smtClean="0"/>
-              <a:t>It answers the question, “</a:t>
-            </a:r>
-            <a:r>
-              <a:rPr lang="en-US" sz="2400" dirty="0" smtClean="0"/>
-              <a:t>which </a:t>
+              <a:t>It answers the question, “which </a:t>
             </a:r>
             <a:r>
               <a:rPr lang="en-US" sz="2400" dirty="0"/>
@@ -12386,139 +12780,6 @@
     <p:extLst>
       <p:ext uri="{BB962C8B-B14F-4D97-AF65-F5344CB8AC3E}">
         <p14:creationId xmlns:p14="http://schemas.microsoft.com/office/powerpoint/2010/main" val="2406118510"/>
-      </p:ext>
-    </p:extLst>
-  </p:cSld>
-  <p:clrMapOvr>
-    <a:masterClrMapping/>
-  </p:clrMapOvr>
-</p:sld>
-</file>
-
-<file path=ppt/slides/slide29.xml><?xml version="1.0" encoding="utf-8"?>
-<p:sld xmlns:a="http://schemas.openxmlformats.org/drawingml/2006/main" xmlns:r="http://schemas.openxmlformats.org/officeDocument/2006/relationships" xmlns:p="http://schemas.openxmlformats.org/presentationml/2006/main">
-  <p:cSld>
-    <p:spTree>
-      <p:nvGrpSpPr>
-        <p:cNvPr id="1" name=""/>
-        <p:cNvGrpSpPr/>
-        <p:nvPr/>
-      </p:nvGrpSpPr>
-      <p:grpSpPr>
-        <a:xfrm>
-          <a:off x="0" y="0"/>
-          <a:ext cx="0" cy="0"/>
-          <a:chOff x="0" y="0"/>
-          <a:chExt cx="0" cy="0"/>
-        </a:xfrm>
-      </p:grpSpPr>
-      <p:sp>
-        <p:nvSpPr>
-          <p:cNvPr id="2" name="Title 1"/>
-          <p:cNvSpPr>
-            <a:spLocks noGrp="1"/>
-          </p:cNvSpPr>
-          <p:nvPr>
-            <p:ph type="title"/>
-          </p:nvPr>
-        </p:nvSpPr>
-        <p:spPr/>
-        <p:txBody>
-          <a:bodyPr/>
-          <a:lstStyle/>
-          <a:p>
-            <a:pPr algn="ctr"/>
-            <a:r>
-              <a:rPr lang="en-US" dirty="0" smtClean="0"/>
-              <a:t>Feature Importance</a:t>
-            </a:r>
-            <a:endParaRPr lang="en-US" dirty="0"/>
-          </a:p>
-        </p:txBody>
-      </p:sp>
-      <p:sp>
-        <p:nvSpPr>
-          <p:cNvPr id="3" name="Content Placeholder 2"/>
-          <p:cNvSpPr>
-            <a:spLocks noGrp="1"/>
-          </p:cNvSpPr>
-          <p:nvPr>
-            <p:ph idx="1"/>
-          </p:nvPr>
-        </p:nvSpPr>
-        <p:spPr>
-          <a:xfrm>
-            <a:off x="6415789" y="1825624"/>
-            <a:ext cx="5201588" cy="4351338"/>
-          </a:xfrm>
-        </p:spPr>
-        <p:txBody>
-          <a:bodyPr>
-            <a:normAutofit/>
-          </a:bodyPr>
-          <a:lstStyle/>
-          <a:p>
-            <a:r>
-              <a:rPr lang="en-US" sz="2400" dirty="0" smtClean="0"/>
-              <a:t>Features with positive attributes: has a positive correlation with developing heart disease.</a:t>
-            </a:r>
-          </a:p>
-          <a:p>
-            <a:pPr lvl="1"/>
-            <a:r>
-              <a:rPr lang="en-US" sz="2000" dirty="0" smtClean="0">
-                <a:solidFill>
-                  <a:srgbClr val="FFC000"/>
-                </a:solidFill>
-              </a:rPr>
-              <a:t>Higher the value of the attribute, more likely heart disease is developed.</a:t>
-            </a:r>
-          </a:p>
-          <a:p>
-            <a:pPr lvl="1"/>
-            <a:r>
-              <a:rPr lang="en-US" sz="2000" dirty="0" smtClean="0"/>
-              <a:t>E.g.: higher the degree of chest pain, or slo</a:t>
-            </a:r>
-            <a:r>
-              <a:rPr lang="en-US" sz="2000" dirty="0" smtClean="0"/>
-              <a:t>pe of ST segment, higher likelihood of developing heart disease.</a:t>
-            </a:r>
-            <a:endParaRPr lang="en-US" sz="2000" dirty="0" smtClean="0"/>
-          </a:p>
-          <a:p>
-            <a:endParaRPr lang="en-US" dirty="0"/>
-          </a:p>
-        </p:txBody>
-      </p:sp>
-      <p:pic>
-        <p:nvPicPr>
-          <p:cNvPr id="5" name="Picture 4"/>
-          <p:cNvPicPr>
-            <a:picLocks noChangeAspect="1"/>
-          </p:cNvPicPr>
-          <p:nvPr/>
-        </p:nvPicPr>
-        <p:blipFill>
-          <a:blip r:embed="rId2"/>
-          <a:stretch>
-            <a:fillRect/>
-          </a:stretch>
-        </p:blipFill>
-        <p:spPr>
-          <a:xfrm>
-            <a:off x="718279" y="1976034"/>
-            <a:ext cx="5502592" cy="4050519"/>
-          </a:xfrm>
-          <a:prstGeom prst="rect">
-            <a:avLst/>
-          </a:prstGeom>
-        </p:spPr>
-      </p:pic>
-    </p:spTree>
-    <p:extLst>
-      <p:ext uri="{BB962C8B-B14F-4D97-AF65-F5344CB8AC3E}">
-        <p14:creationId xmlns:p14="http://schemas.microsoft.com/office/powerpoint/2010/main" val="3498711450"/>
       </p:ext>
     </p:extLst>
   </p:cSld>
@@ -13489,6 +13750,134 @@
             <a:pPr algn="ctr"/>
             <a:r>
               <a:rPr lang="en-US" dirty="0" smtClean="0"/>
+              <a:t>Feature Importance</a:t>
+            </a:r>
+            <a:endParaRPr lang="en-US" dirty="0"/>
+          </a:p>
+        </p:txBody>
+      </p:sp>
+      <p:sp>
+        <p:nvSpPr>
+          <p:cNvPr id="3" name="Content Placeholder 2"/>
+          <p:cNvSpPr>
+            <a:spLocks noGrp="1"/>
+          </p:cNvSpPr>
+          <p:nvPr>
+            <p:ph idx="1"/>
+          </p:nvPr>
+        </p:nvSpPr>
+        <p:spPr>
+          <a:xfrm>
+            <a:off x="6415789" y="1825624"/>
+            <a:ext cx="5201588" cy="4351338"/>
+          </a:xfrm>
+        </p:spPr>
+        <p:txBody>
+          <a:bodyPr>
+            <a:normAutofit/>
+          </a:bodyPr>
+          <a:lstStyle/>
+          <a:p>
+            <a:r>
+              <a:rPr lang="en-US" sz="2400" dirty="0" smtClean="0"/>
+              <a:t>Features with positive attributes: has a positive correlation with developing heart disease.</a:t>
+            </a:r>
+          </a:p>
+          <a:p>
+            <a:pPr lvl="1"/>
+            <a:r>
+              <a:rPr lang="en-US" sz="2000" dirty="0" smtClean="0">
+                <a:solidFill>
+                  <a:srgbClr val="FFC000"/>
+                </a:solidFill>
+              </a:rPr>
+              <a:t>Higher the value of the attribute, more likely heart disease is developed.</a:t>
+            </a:r>
+          </a:p>
+          <a:p>
+            <a:pPr lvl="1"/>
+            <a:r>
+              <a:rPr lang="en-US" sz="2000" dirty="0" smtClean="0"/>
+              <a:t>E.g.: higher the degree of chest pain, or slope of ST segment, higher likelihood of developing heart disease.</a:t>
+            </a:r>
+          </a:p>
+          <a:p>
+            <a:endParaRPr lang="en-US" dirty="0"/>
+          </a:p>
+        </p:txBody>
+      </p:sp>
+      <p:pic>
+        <p:nvPicPr>
+          <p:cNvPr id="5" name="Picture 4"/>
+          <p:cNvPicPr>
+            <a:picLocks noChangeAspect="1"/>
+          </p:cNvPicPr>
+          <p:nvPr/>
+        </p:nvPicPr>
+        <p:blipFill>
+          <a:blip r:embed="rId2"/>
+          <a:stretch>
+            <a:fillRect/>
+          </a:stretch>
+        </p:blipFill>
+        <p:spPr>
+          <a:xfrm>
+            <a:off x="718279" y="1976034"/>
+            <a:ext cx="5502592" cy="4050519"/>
+          </a:xfrm>
+          <a:prstGeom prst="rect">
+            <a:avLst/>
+          </a:prstGeom>
+        </p:spPr>
+      </p:pic>
+    </p:spTree>
+    <p:extLst>
+      <p:ext uri="{BB962C8B-B14F-4D97-AF65-F5344CB8AC3E}">
+        <p14:creationId xmlns:p14="http://schemas.microsoft.com/office/powerpoint/2010/main" val="3498711450"/>
+      </p:ext>
+    </p:extLst>
+  </p:cSld>
+  <p:clrMapOvr>
+    <a:masterClrMapping/>
+  </p:clrMapOvr>
+</p:sld>
+</file>
+
+<file path=ppt/slides/slide31.xml><?xml version="1.0" encoding="utf-8"?>
+<p:sld xmlns:a="http://schemas.openxmlformats.org/drawingml/2006/main" xmlns:r="http://schemas.openxmlformats.org/officeDocument/2006/relationships" xmlns:p="http://schemas.openxmlformats.org/presentationml/2006/main">
+  <p:cSld>
+    <p:spTree>
+      <p:nvGrpSpPr>
+        <p:cNvPr id="1" name=""/>
+        <p:cNvGrpSpPr/>
+        <p:nvPr/>
+      </p:nvGrpSpPr>
+      <p:grpSpPr>
+        <a:xfrm>
+          <a:off x="0" y="0"/>
+          <a:ext cx="0" cy="0"/>
+          <a:chOff x="0" y="0"/>
+          <a:chExt cx="0" cy="0"/>
+        </a:xfrm>
+      </p:grpSpPr>
+      <p:sp>
+        <p:nvSpPr>
+          <p:cNvPr id="2" name="Title 1"/>
+          <p:cNvSpPr>
+            <a:spLocks noGrp="1"/>
+          </p:cNvSpPr>
+          <p:nvPr>
+            <p:ph type="title"/>
+          </p:nvPr>
+        </p:nvSpPr>
+        <p:spPr/>
+        <p:txBody>
+          <a:bodyPr/>
+          <a:lstStyle/>
+          <a:p>
+            <a:pPr algn="ctr"/>
+            <a:r>
+              <a:rPr lang="en-US" dirty="0" smtClean="0"/>
               <a:t>Feature Importance Continues… </a:t>
             </a:r>
             <a:endParaRPr lang="en-US" dirty="0"/>
@@ -13633,582 +14022,6 @@
 </p:sld>
 </file>
 
-<file path=ppt/slides/slide31.xml><?xml version="1.0" encoding="utf-8"?>
-<p:sld xmlns:a="http://schemas.openxmlformats.org/drawingml/2006/main" xmlns:r="http://schemas.openxmlformats.org/officeDocument/2006/relationships" xmlns:p="http://schemas.openxmlformats.org/presentationml/2006/main">
-  <p:cSld>
-    <p:spTree>
-      <p:nvGrpSpPr>
-        <p:cNvPr id="1" name=""/>
-        <p:cNvGrpSpPr/>
-        <p:nvPr/>
-      </p:nvGrpSpPr>
-      <p:grpSpPr>
-        <a:xfrm>
-          <a:off x="0" y="0"/>
-          <a:ext cx="0" cy="0"/>
-          <a:chOff x="0" y="0"/>
-          <a:chExt cx="0" cy="0"/>
-        </a:xfrm>
-      </p:grpSpPr>
-      <p:sp>
-        <p:nvSpPr>
-          <p:cNvPr id="2" name="Title 1"/>
-          <p:cNvSpPr>
-            <a:spLocks noGrp="1"/>
-          </p:cNvSpPr>
-          <p:nvPr>
-            <p:ph type="title"/>
-          </p:nvPr>
-        </p:nvSpPr>
-        <p:spPr>
-          <a:xfrm>
-            <a:off x="850692" y="98503"/>
-            <a:ext cx="10515600" cy="1325563"/>
-          </a:xfrm>
-        </p:spPr>
-        <p:txBody>
-          <a:bodyPr>
-            <a:normAutofit/>
-          </a:bodyPr>
-          <a:lstStyle/>
-          <a:p>
-            <a:pPr algn="ctr"/>
-            <a:r>
-              <a:rPr lang="en-US" dirty="0"/>
-              <a:t>Summary of the project</a:t>
-            </a:r>
-            <a:endParaRPr lang="en-US" dirty="0"/>
-          </a:p>
-        </p:txBody>
-      </p:sp>
-      <p:sp>
-        <p:nvSpPr>
-          <p:cNvPr id="3" name="Content Placeholder 2"/>
-          <p:cNvSpPr>
-            <a:spLocks noGrp="1"/>
-          </p:cNvSpPr>
-          <p:nvPr>
-            <p:ph idx="1"/>
-          </p:nvPr>
-        </p:nvSpPr>
-        <p:spPr>
-          <a:xfrm>
-            <a:off x="359764" y="1424066"/>
-            <a:ext cx="11497456" cy="5216577"/>
-          </a:xfrm>
-        </p:spPr>
-        <p:txBody>
-          <a:bodyPr numCol="2">
-            <a:noAutofit/>
-          </a:bodyPr>
-          <a:lstStyle/>
-          <a:p>
-            <a:r>
-              <a:rPr lang="en-US" sz="2000" b="1" dirty="0">
-                <a:solidFill>
-                  <a:schemeClr val="tx1"/>
-                </a:solidFill>
-              </a:rPr>
-              <a:t>Problem</a:t>
-            </a:r>
-          </a:p>
-          <a:p>
-            <a:pPr lvl="1"/>
-            <a:r>
-              <a:rPr lang="en-US" sz="2000" dirty="0">
-                <a:solidFill>
-                  <a:schemeClr val="tx1"/>
-                </a:solidFill>
-              </a:rPr>
-              <a:t>Looking at given clinical data, can we predict who will develop heart disease? </a:t>
-            </a:r>
-            <a:endParaRPr lang="en-US" sz="2000" dirty="0" smtClean="0">
-              <a:solidFill>
-                <a:schemeClr val="tx1"/>
-              </a:solidFill>
-            </a:endParaRPr>
-          </a:p>
-          <a:p>
-            <a:pPr lvl="1"/>
-            <a:endParaRPr lang="en-US" sz="2000" dirty="0">
-              <a:solidFill>
-                <a:schemeClr val="tx1"/>
-              </a:solidFill>
-            </a:endParaRPr>
-          </a:p>
-          <a:p>
-            <a:r>
-              <a:rPr lang="en-US" sz="2000" b="1" dirty="0" smtClean="0">
-                <a:solidFill>
-                  <a:schemeClr val="tx1"/>
-                </a:solidFill>
-              </a:rPr>
-              <a:t>Findings</a:t>
-            </a:r>
-            <a:endParaRPr lang="en-US" sz="2000" b="1" dirty="0">
-              <a:solidFill>
-                <a:schemeClr val="tx1"/>
-              </a:solidFill>
-            </a:endParaRPr>
-          </a:p>
-          <a:p>
-            <a:pPr marL="342900" indent="-342900"/>
-            <a:r>
-              <a:rPr lang="en-US" sz="2000" dirty="0" smtClean="0">
-                <a:solidFill>
-                  <a:schemeClr val="tx1"/>
-                </a:solidFill>
-                <a:effectLst>
-                  <a:outerShdw blurRad="38100" dist="38100" dir="2700000" algn="tl">
-                    <a:srgbClr val="000000">
-                      <a:alpha val="43137"/>
-                    </a:srgbClr>
-                  </a:outerShdw>
-                </a:effectLst>
-              </a:rPr>
-              <a:t>According to data, </a:t>
-            </a:r>
-            <a:r>
-              <a:rPr lang="en-US" sz="2000" dirty="0" smtClean="0">
-                <a:solidFill>
-                  <a:schemeClr val="tx1"/>
-                </a:solidFill>
-                <a:effectLst>
-                  <a:glow rad="38100">
-                    <a:schemeClr val="bg1">
-                      <a:lumMod val="50000"/>
-                      <a:lumOff val="50000"/>
-                      <a:alpha val="20000"/>
-                    </a:schemeClr>
-                  </a:glow>
-                </a:effectLst>
-              </a:rPr>
-              <a:t>significantly </a:t>
-            </a:r>
-            <a:r>
-              <a:rPr lang="en-US" sz="2000" dirty="0">
-                <a:solidFill>
-                  <a:schemeClr val="tx1"/>
-                </a:solidFill>
-                <a:effectLst>
-                  <a:glow rad="38100">
-                    <a:schemeClr val="bg1">
-                      <a:lumMod val="50000"/>
-                      <a:lumOff val="50000"/>
-                      <a:alpha val="20000"/>
-                    </a:schemeClr>
-                  </a:glow>
-                </a:effectLst>
-              </a:rPr>
-              <a:t>more </a:t>
-            </a:r>
-            <a:r>
-              <a:rPr lang="en-US" sz="2000" dirty="0" smtClean="0">
-                <a:solidFill>
-                  <a:schemeClr val="tx1"/>
-                </a:solidFill>
-                <a:effectLst>
-                  <a:glow rad="38100">
-                    <a:schemeClr val="bg1">
-                      <a:lumMod val="50000"/>
-                      <a:lumOff val="50000"/>
-                      <a:alpha val="20000"/>
-                    </a:schemeClr>
-                  </a:glow>
-                </a:effectLst>
-              </a:rPr>
-              <a:t>women </a:t>
-            </a:r>
-            <a:r>
-              <a:rPr lang="en-US" sz="2000" dirty="0">
-                <a:solidFill>
-                  <a:schemeClr val="tx1"/>
-                </a:solidFill>
-                <a:effectLst>
-                  <a:glow rad="38100">
-                    <a:schemeClr val="bg1">
-                      <a:lumMod val="50000"/>
-                      <a:lumOff val="50000"/>
-                      <a:alpha val="20000"/>
-                    </a:schemeClr>
-                  </a:glow>
-                </a:effectLst>
-              </a:rPr>
-              <a:t>with h</a:t>
-            </a:r>
-            <a:r>
-              <a:rPr lang="en-US" sz="2000" dirty="0" smtClean="0">
-                <a:solidFill>
-                  <a:schemeClr val="tx1"/>
-                </a:solidFill>
-                <a:effectLst>
-                  <a:glow rad="38100">
-                    <a:schemeClr val="bg1">
-                      <a:lumMod val="50000"/>
-                      <a:lumOff val="50000"/>
-                      <a:alpha val="20000"/>
-                    </a:schemeClr>
-                  </a:glow>
-                </a:effectLst>
-              </a:rPr>
-              <a:t>eart disease compared to men </a:t>
-            </a:r>
-            <a:r>
-              <a:rPr lang="en-US" sz="2000" dirty="0">
-                <a:solidFill>
-                  <a:schemeClr val="tx1"/>
-                </a:solidFill>
-              </a:rPr>
-              <a:t>– </a:t>
-            </a:r>
-            <a:r>
-              <a:rPr lang="en-US" sz="2000" dirty="0">
-                <a:solidFill>
-                  <a:srgbClr val="FFC000"/>
-                </a:solidFill>
-              </a:rPr>
-              <a:t>Could this be </a:t>
-            </a:r>
-            <a:r>
-              <a:rPr lang="en-US" sz="2000" dirty="0" smtClean="0">
-                <a:solidFill>
-                  <a:srgbClr val="FFC000"/>
-                </a:solidFill>
-              </a:rPr>
-              <a:t>true in the real world?</a:t>
-            </a:r>
-            <a:endParaRPr lang="en-US" sz="2000" dirty="0" smtClean="0">
-              <a:solidFill>
-                <a:srgbClr val="FFC000"/>
-              </a:solidFill>
-              <a:effectLst>
-                <a:glow rad="38100">
-                  <a:schemeClr val="bg1">
-                    <a:lumMod val="50000"/>
-                    <a:lumOff val="50000"/>
-                    <a:alpha val="20000"/>
-                  </a:schemeClr>
-                </a:glow>
-              </a:effectLst>
-            </a:endParaRPr>
-          </a:p>
-          <a:p>
-            <a:pPr marL="342900" indent="-342900"/>
-            <a:r>
-              <a:rPr lang="en-US" sz="2000" dirty="0" smtClean="0">
-                <a:solidFill>
-                  <a:schemeClr val="tx1"/>
-                </a:solidFill>
-                <a:effectLst>
-                  <a:glow rad="38100">
-                    <a:schemeClr val="bg1">
-                      <a:lumMod val="50000"/>
-                      <a:lumOff val="50000"/>
-                      <a:alpha val="20000"/>
-                    </a:schemeClr>
-                  </a:glow>
-                </a:effectLst>
-              </a:rPr>
-              <a:t>According to data, there’s no significant effect of fasting blood sugar on developing heart disease.</a:t>
-            </a:r>
-            <a:r>
-              <a:rPr lang="en-US" sz="2000" dirty="0">
-                <a:solidFill>
-                  <a:schemeClr val="tx1"/>
-                </a:solidFill>
-              </a:rPr>
-              <a:t> – </a:t>
-            </a:r>
-            <a:r>
-              <a:rPr lang="en-US" sz="2000" dirty="0">
-                <a:solidFill>
-                  <a:srgbClr val="FFC000"/>
-                </a:solidFill>
-              </a:rPr>
-              <a:t>Could this be </a:t>
-            </a:r>
-            <a:r>
-              <a:rPr lang="en-US" sz="2000" dirty="0" smtClean="0">
-                <a:solidFill>
-                  <a:srgbClr val="FFC000"/>
-                </a:solidFill>
-              </a:rPr>
-              <a:t>true </a:t>
-            </a:r>
-            <a:r>
-              <a:rPr lang="en-US" sz="2000" dirty="0">
-                <a:solidFill>
-                  <a:srgbClr val="FFC000"/>
-                </a:solidFill>
-              </a:rPr>
-              <a:t>in the real world</a:t>
-            </a:r>
-            <a:r>
-              <a:rPr lang="en-US" sz="2000" dirty="0" smtClean="0">
-                <a:solidFill>
-                  <a:srgbClr val="FFC000"/>
-                </a:solidFill>
-              </a:rPr>
-              <a:t>? </a:t>
-            </a:r>
-            <a:endParaRPr lang="en-US" sz="2000" dirty="0" smtClean="0">
-              <a:solidFill>
-                <a:srgbClr val="FFC000"/>
-              </a:solidFill>
-              <a:effectLst>
-                <a:glow rad="38100">
-                  <a:schemeClr val="bg1">
-                    <a:lumMod val="50000"/>
-                    <a:lumOff val="50000"/>
-                    <a:alpha val="20000"/>
-                  </a:schemeClr>
-                </a:glow>
-              </a:effectLst>
-            </a:endParaRPr>
-          </a:p>
-          <a:p>
-            <a:pPr marL="342900" indent="-342900"/>
-            <a:r>
-              <a:rPr lang="en-US" sz="2000" dirty="0" smtClean="0">
-                <a:solidFill>
-                  <a:schemeClr val="tx1"/>
-                </a:solidFill>
-                <a:effectLst>
-                  <a:glow rad="38100">
-                    <a:schemeClr val="bg1">
-                      <a:lumMod val="50000"/>
-                      <a:lumOff val="50000"/>
-                      <a:alpha val="20000"/>
-                    </a:schemeClr>
-                  </a:glow>
-                </a:effectLst>
-              </a:rPr>
-              <a:t>According to data, </a:t>
-            </a:r>
-            <a:r>
-              <a:rPr lang="en-US" sz="2000" dirty="0" smtClean="0">
-                <a:solidFill>
-                  <a:schemeClr val="tx1"/>
-                </a:solidFill>
-              </a:rPr>
-              <a:t>many </a:t>
-            </a:r>
-            <a:r>
-              <a:rPr lang="en-US" sz="2000" dirty="0">
-                <a:solidFill>
-                  <a:schemeClr val="tx1"/>
-                </a:solidFill>
-              </a:rPr>
-              <a:t>people with exercise induced angina do not develop heart </a:t>
-            </a:r>
-            <a:r>
-              <a:rPr lang="en-US" sz="2000" dirty="0" smtClean="0">
-                <a:solidFill>
-                  <a:schemeClr val="tx1"/>
-                </a:solidFill>
-              </a:rPr>
-              <a:t>disease – </a:t>
-            </a:r>
-            <a:r>
-              <a:rPr lang="en-US" sz="2000" dirty="0" smtClean="0">
-                <a:solidFill>
-                  <a:srgbClr val="FFC000"/>
-                </a:solidFill>
-              </a:rPr>
-              <a:t>Could this be true </a:t>
-            </a:r>
-            <a:r>
-              <a:rPr lang="en-US" sz="2000" dirty="0">
-                <a:solidFill>
-                  <a:srgbClr val="FFC000"/>
-                </a:solidFill>
-              </a:rPr>
-              <a:t>in the real world</a:t>
-            </a:r>
-            <a:r>
-              <a:rPr lang="en-US" sz="2000" dirty="0" smtClean="0">
-                <a:solidFill>
-                  <a:srgbClr val="FFC000"/>
-                </a:solidFill>
-              </a:rPr>
-              <a:t>?</a:t>
-            </a:r>
-            <a:endParaRPr lang="en-US" sz="2000" dirty="0" smtClean="0">
-              <a:solidFill>
-                <a:srgbClr val="FFC000"/>
-              </a:solidFill>
-              <a:effectLst>
-                <a:glow rad="38100">
-                  <a:schemeClr val="bg1">
-                    <a:lumMod val="50000"/>
-                    <a:lumOff val="50000"/>
-                    <a:alpha val="20000"/>
-                  </a:schemeClr>
-                </a:glow>
-              </a:effectLst>
-            </a:endParaRPr>
-          </a:p>
-          <a:p>
-            <a:pPr marL="342900" indent="-342900"/>
-            <a:r>
-              <a:rPr lang="en-US" sz="2000" dirty="0" smtClean="0">
-                <a:solidFill>
-                  <a:schemeClr val="tx1"/>
-                </a:solidFill>
-                <a:effectLst>
-                  <a:outerShdw blurRad="38100" dist="38100" dir="2700000" algn="tl">
-                    <a:srgbClr val="000000">
-                      <a:alpha val="43137"/>
-                    </a:srgbClr>
-                  </a:outerShdw>
-                </a:effectLst>
-              </a:rPr>
-              <a:t>High blood pressure and high cholesterol levels have no significant effect on developing heart disease - </a:t>
-            </a:r>
-            <a:r>
-              <a:rPr lang="en-US" sz="2000" dirty="0">
-                <a:solidFill>
-                  <a:schemeClr val="tx1"/>
-                </a:solidFill>
-              </a:rPr>
-              <a:t>– </a:t>
-            </a:r>
-            <a:r>
-              <a:rPr lang="en-US" sz="2000" dirty="0">
-                <a:solidFill>
-                  <a:srgbClr val="FFC000"/>
-                </a:solidFill>
-              </a:rPr>
-              <a:t>Could this be </a:t>
-            </a:r>
-            <a:r>
-              <a:rPr lang="en-US" sz="2000" dirty="0" smtClean="0">
-                <a:solidFill>
-                  <a:srgbClr val="FFC000"/>
-                </a:solidFill>
-              </a:rPr>
-              <a:t>true </a:t>
-            </a:r>
-            <a:r>
-              <a:rPr lang="en-US" sz="2000" dirty="0">
-                <a:solidFill>
-                  <a:srgbClr val="FFC000"/>
-                </a:solidFill>
-              </a:rPr>
-              <a:t>in the real world</a:t>
-            </a:r>
-            <a:r>
-              <a:rPr lang="en-US" sz="2000" dirty="0" smtClean="0">
-                <a:solidFill>
-                  <a:srgbClr val="FFC000"/>
-                </a:solidFill>
-              </a:rPr>
-              <a:t>?</a:t>
-            </a:r>
-          </a:p>
-          <a:p>
-            <a:r>
-              <a:rPr lang="en-US" sz="2000" b="1" dirty="0" smtClean="0">
-                <a:solidFill>
-                  <a:schemeClr val="tx1"/>
-                </a:solidFill>
-              </a:rPr>
-              <a:t>Results</a:t>
-            </a:r>
-            <a:endParaRPr lang="en-US" sz="2000" b="1" dirty="0">
-              <a:solidFill>
-                <a:schemeClr val="tx1"/>
-              </a:solidFill>
-            </a:endParaRPr>
-          </a:p>
-          <a:p>
-            <a:pPr lvl="1"/>
-            <a:r>
-              <a:rPr lang="en-US" sz="2000" dirty="0" smtClean="0">
-                <a:solidFill>
-                  <a:schemeClr val="tx1"/>
-                </a:solidFill>
-              </a:rPr>
-              <a:t>Logistic regression made </a:t>
-            </a:r>
-            <a:r>
-              <a:rPr lang="en-US" sz="2000" dirty="0">
-                <a:solidFill>
-                  <a:schemeClr val="tx1"/>
-                </a:solidFill>
-              </a:rPr>
-              <a:t>the best predictions, </a:t>
-            </a:r>
-            <a:r>
-              <a:rPr lang="en-US" sz="2000" dirty="0" smtClean="0">
-                <a:solidFill>
-                  <a:schemeClr val="tx1"/>
-                </a:solidFill>
-              </a:rPr>
-              <a:t>compared to other models.</a:t>
-            </a:r>
-          </a:p>
-          <a:p>
-            <a:pPr lvl="1"/>
-            <a:r>
-              <a:rPr lang="en-US" sz="2000" dirty="0" smtClean="0">
-                <a:solidFill>
-                  <a:schemeClr val="tx1"/>
-                </a:solidFill>
-              </a:rPr>
-              <a:t>The highest accuracy score reached was 88.52% even though the target was 95%. </a:t>
-            </a:r>
-          </a:p>
-          <a:p>
-            <a:pPr lvl="1"/>
-            <a:r>
-              <a:rPr lang="en-US" sz="2000" dirty="0" smtClean="0">
-                <a:solidFill>
-                  <a:schemeClr val="tx1"/>
-                </a:solidFill>
-              </a:rPr>
-              <a:t>Cross validation provided better recall results, which was indicative that number of false negative values</a:t>
-            </a:r>
-            <a:r>
-              <a:rPr lang="en-US" sz="2000" dirty="0" smtClean="0">
-                <a:solidFill>
-                  <a:schemeClr val="tx1"/>
-                </a:solidFill>
-              </a:rPr>
-              <a:t> were reduced. </a:t>
-            </a:r>
-          </a:p>
-          <a:p>
-            <a:pPr lvl="1"/>
-            <a:r>
-              <a:rPr lang="en-US" sz="2000" dirty="0" smtClean="0">
-                <a:solidFill>
-                  <a:schemeClr val="tx1"/>
-                </a:solidFill>
-              </a:rPr>
-              <a:t>Feature importance showed that certain attributes had a positive correlation while the others had a negative correlation.</a:t>
-            </a:r>
-            <a:endParaRPr lang="en-US" sz="2000" dirty="0">
-              <a:solidFill>
-                <a:schemeClr val="tx1"/>
-              </a:solidFill>
-            </a:endParaRPr>
-          </a:p>
-        </p:txBody>
-      </p:sp>
-    </p:spTree>
-    <p:extLst>
-      <p:ext uri="{BB962C8B-B14F-4D97-AF65-F5344CB8AC3E}">
-        <p14:creationId xmlns:p14="http://schemas.microsoft.com/office/powerpoint/2010/main" val="2646670735"/>
-      </p:ext>
-    </p:extLst>
-  </p:cSld>
-  <p:clrMapOvr>
-    <a:masterClrMapping/>
-  </p:clrMapOvr>
-</p:sld>
-</file>
-
 <file path=ppt/slides/slide32.xml><?xml version="1.0" encoding="utf-8"?>
 <p:sld xmlns:a="http://schemas.openxmlformats.org/drawingml/2006/main" xmlns:r="http://schemas.openxmlformats.org/officeDocument/2006/relationships" xmlns:p="http://schemas.openxmlformats.org/presentationml/2006/main">
   <p:cSld>
@@ -14236,7 +14049,12 @@
             <p:ph type="title"/>
           </p:nvPr>
         </p:nvSpPr>
-        <p:spPr/>
+        <p:spPr>
+          <a:xfrm>
+            <a:off x="850692" y="98503"/>
+            <a:ext cx="10515600" cy="1325563"/>
+          </a:xfrm>
+        </p:spPr>
         <p:txBody>
           <a:bodyPr>
             <a:normAutofit/>
@@ -14246,9 +14064,570 @@
             <a:pPr algn="ctr"/>
             <a:r>
               <a:rPr lang="en-US" dirty="0"/>
+              <a:t>Summary of the project</a:t>
+            </a:r>
+          </a:p>
+        </p:txBody>
+      </p:sp>
+      <p:sp>
+        <p:nvSpPr>
+          <p:cNvPr id="3" name="Content Placeholder 2"/>
+          <p:cNvSpPr>
+            <a:spLocks noGrp="1"/>
+          </p:cNvSpPr>
+          <p:nvPr>
+            <p:ph idx="1"/>
+          </p:nvPr>
+        </p:nvSpPr>
+        <p:spPr>
+          <a:xfrm>
+            <a:off x="359764" y="1424066"/>
+            <a:ext cx="11497456" cy="5216577"/>
+          </a:xfrm>
+        </p:spPr>
+        <p:txBody>
+          <a:bodyPr numCol="2">
+            <a:noAutofit/>
+          </a:bodyPr>
+          <a:lstStyle/>
+          <a:p>
+            <a:r>
+              <a:rPr lang="en-US" sz="2000" b="1" dirty="0">
+                <a:solidFill>
+                  <a:schemeClr val="tx1"/>
+                </a:solidFill>
+              </a:rPr>
+              <a:t>Problem</a:t>
+            </a:r>
+          </a:p>
+          <a:p>
+            <a:pPr lvl="1"/>
+            <a:r>
+              <a:rPr lang="en-US" sz="2000" dirty="0">
+                <a:solidFill>
+                  <a:schemeClr val="tx1"/>
+                </a:solidFill>
+              </a:rPr>
+              <a:t>Looking at given clinical data, can we predict who will develop heart disease? </a:t>
+            </a:r>
+            <a:endParaRPr lang="en-US" sz="2000" dirty="0" smtClean="0">
+              <a:solidFill>
+                <a:schemeClr val="tx1"/>
+              </a:solidFill>
+            </a:endParaRPr>
+          </a:p>
+          <a:p>
+            <a:pPr lvl="1"/>
+            <a:endParaRPr lang="en-US" sz="2000" dirty="0">
+              <a:solidFill>
+                <a:schemeClr val="tx1"/>
+              </a:solidFill>
+            </a:endParaRPr>
+          </a:p>
+          <a:p>
+            <a:r>
+              <a:rPr lang="en-US" sz="2000" b="1" dirty="0" smtClean="0">
+                <a:solidFill>
+                  <a:schemeClr val="tx1"/>
+                </a:solidFill>
+              </a:rPr>
+              <a:t>Findings</a:t>
+            </a:r>
+            <a:endParaRPr lang="en-US" sz="2000" b="1" dirty="0">
+              <a:solidFill>
+                <a:schemeClr val="tx1"/>
+              </a:solidFill>
+            </a:endParaRPr>
+          </a:p>
+          <a:p>
+            <a:pPr marL="342900" indent="-342900"/>
+            <a:r>
+              <a:rPr lang="en-US" sz="2000" dirty="0" smtClean="0">
+                <a:solidFill>
+                  <a:schemeClr val="tx1"/>
+                </a:solidFill>
+                <a:effectLst>
+                  <a:outerShdw blurRad="38100" dist="38100" dir="2700000" algn="tl">
+                    <a:srgbClr val="000000">
+                      <a:alpha val="43137"/>
+                    </a:srgbClr>
+                  </a:outerShdw>
+                </a:effectLst>
+              </a:rPr>
+              <a:t>According to data, </a:t>
+            </a:r>
+            <a:r>
+              <a:rPr lang="en-US" sz="2000" dirty="0" smtClean="0">
+                <a:solidFill>
+                  <a:schemeClr val="tx1"/>
+                </a:solidFill>
+                <a:effectLst>
+                  <a:glow rad="38100">
+                    <a:schemeClr val="bg1">
+                      <a:lumMod val="50000"/>
+                      <a:lumOff val="50000"/>
+                      <a:alpha val="20000"/>
+                    </a:schemeClr>
+                  </a:glow>
+                </a:effectLst>
+              </a:rPr>
+              <a:t>significantly </a:t>
+            </a:r>
+            <a:r>
+              <a:rPr lang="en-US" sz="2000" dirty="0">
+                <a:solidFill>
+                  <a:schemeClr val="tx1"/>
+                </a:solidFill>
+                <a:effectLst>
+                  <a:glow rad="38100">
+                    <a:schemeClr val="bg1">
+                      <a:lumMod val="50000"/>
+                      <a:lumOff val="50000"/>
+                      <a:alpha val="20000"/>
+                    </a:schemeClr>
+                  </a:glow>
+                </a:effectLst>
+              </a:rPr>
+              <a:t>more </a:t>
+            </a:r>
+            <a:r>
+              <a:rPr lang="en-US" sz="2000" dirty="0" smtClean="0">
+                <a:solidFill>
+                  <a:schemeClr val="tx1"/>
+                </a:solidFill>
+                <a:effectLst>
+                  <a:glow rad="38100">
+                    <a:schemeClr val="bg1">
+                      <a:lumMod val="50000"/>
+                      <a:lumOff val="50000"/>
+                      <a:alpha val="20000"/>
+                    </a:schemeClr>
+                  </a:glow>
+                </a:effectLst>
+              </a:rPr>
+              <a:t>women </a:t>
+            </a:r>
+            <a:r>
+              <a:rPr lang="en-US" sz="2000" dirty="0">
+                <a:solidFill>
+                  <a:schemeClr val="tx1"/>
+                </a:solidFill>
+                <a:effectLst>
+                  <a:glow rad="38100">
+                    <a:schemeClr val="bg1">
+                      <a:lumMod val="50000"/>
+                      <a:lumOff val="50000"/>
+                      <a:alpha val="20000"/>
+                    </a:schemeClr>
+                  </a:glow>
+                </a:effectLst>
+              </a:rPr>
+              <a:t>with h</a:t>
+            </a:r>
+            <a:r>
+              <a:rPr lang="en-US" sz="2000" dirty="0" smtClean="0">
+                <a:solidFill>
+                  <a:schemeClr val="tx1"/>
+                </a:solidFill>
+                <a:effectLst>
+                  <a:glow rad="38100">
+                    <a:schemeClr val="bg1">
+                      <a:lumMod val="50000"/>
+                      <a:lumOff val="50000"/>
+                      <a:alpha val="20000"/>
+                    </a:schemeClr>
+                  </a:glow>
+                </a:effectLst>
+              </a:rPr>
+              <a:t>eart disease compared to men </a:t>
+            </a:r>
+            <a:r>
+              <a:rPr lang="en-US" sz="2000" dirty="0">
+                <a:solidFill>
+                  <a:schemeClr val="tx1"/>
+                </a:solidFill>
+              </a:rPr>
+              <a:t>– </a:t>
+            </a:r>
+            <a:r>
+              <a:rPr lang="en-US" sz="2000" dirty="0">
+                <a:solidFill>
+                  <a:srgbClr val="FFC000"/>
+                </a:solidFill>
+              </a:rPr>
+              <a:t>Could this be </a:t>
+            </a:r>
+            <a:r>
+              <a:rPr lang="en-US" sz="2000" dirty="0" smtClean="0">
+                <a:solidFill>
+                  <a:srgbClr val="FFC000"/>
+                </a:solidFill>
+              </a:rPr>
+              <a:t>true in the real world?</a:t>
+            </a:r>
+            <a:endParaRPr lang="en-US" sz="2000" dirty="0" smtClean="0">
+              <a:solidFill>
+                <a:srgbClr val="FFC000"/>
+              </a:solidFill>
+              <a:effectLst>
+                <a:glow rad="38100">
+                  <a:schemeClr val="bg1">
+                    <a:lumMod val="50000"/>
+                    <a:lumOff val="50000"/>
+                    <a:alpha val="20000"/>
+                  </a:schemeClr>
+                </a:glow>
+              </a:effectLst>
+            </a:endParaRPr>
+          </a:p>
+          <a:p>
+            <a:pPr marL="342900" indent="-342900"/>
+            <a:r>
+              <a:rPr lang="en-US" sz="2000" dirty="0" smtClean="0">
+                <a:solidFill>
+                  <a:schemeClr val="tx1"/>
+                </a:solidFill>
+                <a:effectLst>
+                  <a:glow rad="38100">
+                    <a:schemeClr val="bg1">
+                      <a:lumMod val="50000"/>
+                      <a:lumOff val="50000"/>
+                      <a:alpha val="20000"/>
+                    </a:schemeClr>
+                  </a:glow>
+                </a:effectLst>
+              </a:rPr>
+              <a:t>According to data, there’s no significant effect of fasting blood sugar on developing heart disease.</a:t>
+            </a:r>
+            <a:r>
+              <a:rPr lang="en-US" sz="2000" dirty="0">
+                <a:solidFill>
+                  <a:schemeClr val="tx1"/>
+                </a:solidFill>
+              </a:rPr>
+              <a:t> – </a:t>
+            </a:r>
+            <a:r>
+              <a:rPr lang="en-US" sz="2000" dirty="0">
+                <a:solidFill>
+                  <a:srgbClr val="FFC000"/>
+                </a:solidFill>
+              </a:rPr>
+              <a:t>Could this be </a:t>
+            </a:r>
+            <a:r>
+              <a:rPr lang="en-US" sz="2000" dirty="0" smtClean="0">
+                <a:solidFill>
+                  <a:srgbClr val="FFC000"/>
+                </a:solidFill>
+              </a:rPr>
+              <a:t>true </a:t>
+            </a:r>
+            <a:r>
+              <a:rPr lang="en-US" sz="2000" dirty="0">
+                <a:solidFill>
+                  <a:srgbClr val="FFC000"/>
+                </a:solidFill>
+              </a:rPr>
+              <a:t>in the real world</a:t>
+            </a:r>
+            <a:r>
+              <a:rPr lang="en-US" sz="2000" dirty="0" smtClean="0">
+                <a:solidFill>
+                  <a:srgbClr val="FFC000"/>
+                </a:solidFill>
+              </a:rPr>
+              <a:t>? </a:t>
+            </a:r>
+            <a:endParaRPr lang="en-US" sz="2000" dirty="0" smtClean="0">
+              <a:solidFill>
+                <a:srgbClr val="FFC000"/>
+              </a:solidFill>
+              <a:effectLst>
+                <a:glow rad="38100">
+                  <a:schemeClr val="bg1">
+                    <a:lumMod val="50000"/>
+                    <a:lumOff val="50000"/>
+                    <a:alpha val="20000"/>
+                  </a:schemeClr>
+                </a:glow>
+              </a:effectLst>
+            </a:endParaRPr>
+          </a:p>
+          <a:p>
+            <a:pPr marL="342900" indent="-342900"/>
+            <a:r>
+              <a:rPr lang="en-US" sz="2000" dirty="0" smtClean="0">
+                <a:solidFill>
+                  <a:schemeClr val="tx1"/>
+                </a:solidFill>
+                <a:effectLst>
+                  <a:glow rad="38100">
+                    <a:schemeClr val="bg1">
+                      <a:lumMod val="50000"/>
+                      <a:lumOff val="50000"/>
+                      <a:alpha val="20000"/>
+                    </a:schemeClr>
+                  </a:glow>
+                </a:effectLst>
+              </a:rPr>
+              <a:t>According to data, </a:t>
+            </a:r>
+            <a:r>
+              <a:rPr lang="en-US" sz="2000" dirty="0" smtClean="0">
+                <a:solidFill>
+                  <a:schemeClr val="tx1"/>
+                </a:solidFill>
+              </a:rPr>
+              <a:t>many </a:t>
+            </a:r>
+            <a:r>
+              <a:rPr lang="en-US" sz="2000" dirty="0">
+                <a:solidFill>
+                  <a:schemeClr val="tx1"/>
+                </a:solidFill>
+              </a:rPr>
+              <a:t>people with exercise induced angina do not develop heart </a:t>
+            </a:r>
+            <a:r>
+              <a:rPr lang="en-US" sz="2000" dirty="0" smtClean="0">
+                <a:solidFill>
+                  <a:schemeClr val="tx1"/>
+                </a:solidFill>
+              </a:rPr>
+              <a:t>disease – </a:t>
+            </a:r>
+            <a:r>
+              <a:rPr lang="en-US" sz="2000" dirty="0" smtClean="0">
+                <a:solidFill>
+                  <a:srgbClr val="FFC000"/>
+                </a:solidFill>
+              </a:rPr>
+              <a:t>Could this be true </a:t>
+            </a:r>
+            <a:r>
+              <a:rPr lang="en-US" sz="2000" dirty="0">
+                <a:solidFill>
+                  <a:srgbClr val="FFC000"/>
+                </a:solidFill>
+              </a:rPr>
+              <a:t>in the real world</a:t>
+            </a:r>
+            <a:r>
+              <a:rPr lang="en-US" sz="2000" dirty="0" smtClean="0">
+                <a:solidFill>
+                  <a:srgbClr val="FFC000"/>
+                </a:solidFill>
+              </a:rPr>
+              <a:t>?</a:t>
+            </a:r>
+            <a:endParaRPr lang="en-US" sz="2000" dirty="0" smtClean="0">
+              <a:solidFill>
+                <a:srgbClr val="FFC000"/>
+              </a:solidFill>
+              <a:effectLst>
+                <a:glow rad="38100">
+                  <a:schemeClr val="bg1">
+                    <a:lumMod val="50000"/>
+                    <a:lumOff val="50000"/>
+                    <a:alpha val="20000"/>
+                  </a:schemeClr>
+                </a:glow>
+              </a:effectLst>
+            </a:endParaRPr>
+          </a:p>
+          <a:p>
+            <a:pPr marL="342900" indent="-342900"/>
+            <a:r>
+              <a:rPr lang="en-US" sz="2000" dirty="0" smtClean="0">
+                <a:solidFill>
+                  <a:schemeClr val="tx1"/>
+                </a:solidFill>
+                <a:effectLst>
+                  <a:outerShdw blurRad="38100" dist="38100" dir="2700000" algn="tl">
+                    <a:srgbClr val="000000">
+                      <a:alpha val="43137"/>
+                    </a:srgbClr>
+                  </a:outerShdw>
+                </a:effectLst>
+              </a:rPr>
+              <a:t>High blood pressure and high cholesterol levels have no significant effect on developing heart disease - </a:t>
+            </a:r>
+            <a:r>
+              <a:rPr lang="en-US" sz="2000" dirty="0">
+                <a:solidFill>
+                  <a:schemeClr val="tx1"/>
+                </a:solidFill>
+              </a:rPr>
+              <a:t>– </a:t>
+            </a:r>
+            <a:r>
+              <a:rPr lang="en-US" sz="2000" dirty="0">
+                <a:solidFill>
+                  <a:srgbClr val="FFC000"/>
+                </a:solidFill>
+              </a:rPr>
+              <a:t>Could this be </a:t>
+            </a:r>
+            <a:r>
+              <a:rPr lang="en-US" sz="2000" dirty="0" smtClean="0">
+                <a:solidFill>
+                  <a:srgbClr val="FFC000"/>
+                </a:solidFill>
+              </a:rPr>
+              <a:t>true </a:t>
+            </a:r>
+            <a:r>
+              <a:rPr lang="en-US" sz="2000" dirty="0">
+                <a:solidFill>
+                  <a:srgbClr val="FFC000"/>
+                </a:solidFill>
+              </a:rPr>
+              <a:t>in the real world</a:t>
+            </a:r>
+            <a:r>
+              <a:rPr lang="en-US" sz="2000" dirty="0" smtClean="0">
+                <a:solidFill>
+                  <a:srgbClr val="FFC000"/>
+                </a:solidFill>
+              </a:rPr>
+              <a:t>?</a:t>
+            </a:r>
+          </a:p>
+          <a:p>
+            <a:r>
+              <a:rPr lang="en-US" sz="2000" b="1" dirty="0" smtClean="0">
+                <a:solidFill>
+                  <a:schemeClr val="tx1"/>
+                </a:solidFill>
+              </a:rPr>
+              <a:t>Results</a:t>
+            </a:r>
+            <a:endParaRPr lang="en-US" sz="2000" b="1" dirty="0">
+              <a:solidFill>
+                <a:schemeClr val="tx1"/>
+              </a:solidFill>
+            </a:endParaRPr>
+          </a:p>
+          <a:p>
+            <a:pPr lvl="1"/>
+            <a:r>
+              <a:rPr lang="en-US" sz="2000" dirty="0" smtClean="0">
+                <a:solidFill>
+                  <a:schemeClr val="tx1"/>
+                </a:solidFill>
+              </a:rPr>
+              <a:t>Logistic regression made </a:t>
+            </a:r>
+            <a:r>
+              <a:rPr lang="en-US" sz="2000" dirty="0">
+                <a:solidFill>
+                  <a:schemeClr val="tx1"/>
+                </a:solidFill>
+              </a:rPr>
+              <a:t>the best predictions, </a:t>
+            </a:r>
+            <a:r>
+              <a:rPr lang="en-US" sz="2000" dirty="0" smtClean="0">
+                <a:solidFill>
+                  <a:schemeClr val="tx1"/>
+                </a:solidFill>
+              </a:rPr>
+              <a:t>compared to other models.</a:t>
+            </a:r>
+          </a:p>
+          <a:p>
+            <a:pPr lvl="1"/>
+            <a:r>
+              <a:rPr lang="en-US" sz="2000" dirty="0" smtClean="0">
+                <a:solidFill>
+                  <a:schemeClr val="tx1"/>
+                </a:solidFill>
+              </a:rPr>
+              <a:t>The highest accuracy score reached was 88.52% even though the target was 95%. </a:t>
+            </a:r>
+          </a:p>
+          <a:p>
+            <a:pPr lvl="1"/>
+            <a:r>
+              <a:rPr lang="en-US" sz="2000" dirty="0" smtClean="0">
+                <a:solidFill>
+                  <a:schemeClr val="tx1"/>
+                </a:solidFill>
+              </a:rPr>
+              <a:t>Cross validation provided better recall results, which was indicative that number of false negative values were reduced. </a:t>
+            </a:r>
+          </a:p>
+          <a:p>
+            <a:pPr lvl="1"/>
+            <a:r>
+              <a:rPr lang="en-US" sz="2000" dirty="0" smtClean="0">
+                <a:solidFill>
+                  <a:schemeClr val="tx1"/>
+                </a:solidFill>
+              </a:rPr>
+              <a:t>Feature importance showed that certain attributes had a positive correlation while the others had a negative correlation.</a:t>
+            </a:r>
+            <a:endParaRPr lang="en-US" sz="2000" dirty="0">
+              <a:solidFill>
+                <a:schemeClr val="tx1"/>
+              </a:solidFill>
+            </a:endParaRPr>
+          </a:p>
+        </p:txBody>
+      </p:sp>
+    </p:spTree>
+    <p:extLst>
+      <p:ext uri="{BB962C8B-B14F-4D97-AF65-F5344CB8AC3E}">
+        <p14:creationId xmlns:p14="http://schemas.microsoft.com/office/powerpoint/2010/main" val="2646670735"/>
+      </p:ext>
+    </p:extLst>
+  </p:cSld>
+  <p:clrMapOvr>
+    <a:masterClrMapping/>
+  </p:clrMapOvr>
+</p:sld>
+</file>
+
+<file path=ppt/slides/slide33.xml><?xml version="1.0" encoding="utf-8"?>
+<p:sld xmlns:a="http://schemas.openxmlformats.org/drawingml/2006/main" xmlns:r="http://schemas.openxmlformats.org/officeDocument/2006/relationships" xmlns:p="http://schemas.openxmlformats.org/presentationml/2006/main">
+  <p:cSld>
+    <p:spTree>
+      <p:nvGrpSpPr>
+        <p:cNvPr id="1" name=""/>
+        <p:cNvGrpSpPr/>
+        <p:nvPr/>
+      </p:nvGrpSpPr>
+      <p:grpSpPr>
+        <a:xfrm>
+          <a:off x="0" y="0"/>
+          <a:ext cx="0" cy="0"/>
+          <a:chOff x="0" y="0"/>
+          <a:chExt cx="0" cy="0"/>
+        </a:xfrm>
+      </p:grpSpPr>
+      <p:sp>
+        <p:nvSpPr>
+          <p:cNvPr id="2" name="Title 1"/>
+          <p:cNvSpPr>
+            <a:spLocks noGrp="1"/>
+          </p:cNvSpPr>
+          <p:nvPr>
+            <p:ph type="title"/>
+          </p:nvPr>
+        </p:nvSpPr>
+        <p:spPr/>
+        <p:txBody>
+          <a:bodyPr>
+            <a:normAutofit/>
+          </a:bodyPr>
+          <a:lstStyle/>
+          <a:p>
+            <a:pPr algn="ctr"/>
+            <a:r>
+              <a:rPr lang="en-US" dirty="0"/>
               <a:t>Areas for improvements</a:t>
             </a:r>
-            <a:endParaRPr lang="en-US" dirty="0"/>
           </a:p>
         </p:txBody>
       </p:sp>
@@ -14338,7 +14717,7 @@
 </p:sld>
 </file>
 
-<file path=ppt/slides/slide33.xml><?xml version="1.0" encoding="utf-8"?>
+<file path=ppt/slides/slide34.xml><?xml version="1.0" encoding="utf-8"?>
 <p:sld xmlns:a="http://schemas.openxmlformats.org/drawingml/2006/main" xmlns:r="http://schemas.openxmlformats.org/officeDocument/2006/relationships" xmlns:p="http://schemas.openxmlformats.org/presentationml/2006/main">
   <p:cSld>
     <p:spTree>
@@ -14658,15 +15037,7 @@
             </a:pPr>
             <a:r>
               <a:rPr lang="en-US" sz="2400" dirty="0" smtClean="0"/>
-              <a:t> </a:t>
-            </a:r>
-            <a:r>
-              <a:rPr lang="en-US" sz="2400" dirty="0" smtClean="0"/>
-              <a:t>Data is </a:t>
-            </a:r>
-            <a:r>
-              <a:rPr lang="en-US" sz="2400" dirty="0" smtClean="0"/>
-              <a:t>available </a:t>
+              <a:t> Data is available </a:t>
             </a:r>
             <a:r>
               <a:rPr lang="en-US" sz="2400" dirty="0"/>
@@ -16315,7 +16686,21 @@
                   </a:glow>
                 </a:effectLst>
               </a:rPr>
-              <a:t>Good distribution of data for the project.</a:t>
+              <a:t>Even distribution </a:t>
+            </a:r>
+            <a:r>
+              <a:rPr lang="en-US" sz="2200" dirty="0" smtClean="0">
+                <a:effectLst>
+                  <a:glow rad="38100">
+                    <a:schemeClr val="bg1">
+                      <a:lumMod val="50000"/>
+                      <a:lumOff val="50000"/>
+                      <a:alpha val="20000"/>
+                    </a:schemeClr>
+                  </a:glow>
+                </a:effectLst>
+              </a:rPr>
+              <a:t>of data for the project.</a:t>
             </a:r>
             <a:endParaRPr lang="en-US" sz="2200" dirty="0"/>
           </a:p>
@@ -16395,7 +16780,7 @@
         <p:spPr/>
         <p:txBody>
           <a:bodyPr>
-            <a:normAutofit/>
+            <a:normAutofit fontScale="90000"/>
           </a:bodyPr>
           <a:lstStyle/>
           <a:p>
@@ -16406,30 +16791,39 @@
                   <a:schemeClr val="tx1"/>
                 </a:solidFill>
               </a:rPr>
-              <a:t>Gender Vs Prevalence of Heart Disease</a:t>
-            </a:r>
-            <a:br>
+              <a:t>Cholesterol </a:t>
+            </a:r>
+            <a:r>
+              <a:rPr lang="en-US" sz="5000" dirty="0" err="1" smtClean="0">
+                <a:solidFill>
+                  <a:schemeClr val="tx1"/>
+                </a:solidFill>
+              </a:rPr>
+              <a:t>Lveles</a:t>
+            </a:r>
+            <a:r>
               <a:rPr lang="en-US" sz="5000" dirty="0" smtClean="0">
                 <a:solidFill>
                   <a:schemeClr val="tx1"/>
                 </a:solidFill>
               </a:rPr>
-            </a:br>
-            <a:r>
-              <a:rPr lang="en-US" sz="3200" dirty="0" smtClean="0">
+              <a:t> </a:t>
+            </a:r>
+            <a:r>
+              <a:rPr lang="en-US" sz="5000" dirty="0" smtClean="0">
                 <a:solidFill>
                   <a:schemeClr val="tx1"/>
                 </a:solidFill>
               </a:rPr>
-              <a:t>EDA </a:t>
-            </a:r>
-            <a:r>
-              <a:rPr lang="en-US" sz="3200" dirty="0" smtClean="0">
+              <a:t>Vs Prevalence of Heart </a:t>
+            </a:r>
+            <a:r>
+              <a:rPr lang="en-US" sz="5000" dirty="0" smtClean="0">
                 <a:solidFill>
                   <a:schemeClr val="tx1"/>
                 </a:solidFill>
               </a:rPr>
-              <a:t>Continued…</a:t>
+              <a:t>Disease</a:t>
             </a:r>
             <a:endParaRPr lang="en-US" sz="3200" cap="none" dirty="0">
               <a:solidFill>
@@ -16448,7 +16842,7 @@
         <p:spPr>
           <a:xfrm>
             <a:off x="5515416" y="2448585"/>
-            <a:ext cx="6676584" cy="2800767"/>
+            <a:ext cx="6676584" cy="3816429"/>
           </a:xfrm>
           <a:prstGeom prst="rect">
             <a:avLst/>
@@ -16477,7 +16871,21 @@
                   </a:glow>
                 </a:effectLst>
               </a:rPr>
-              <a:t>Significantly more Women with Heart </a:t>
+              <a:t>Majority of patients with heart disease and without heart disease have cholesterol levels 200-300mg/</a:t>
+            </a:r>
+            <a:r>
+              <a:rPr lang="en-US" sz="2200" dirty="0" err="1" smtClean="0">
+                <a:effectLst>
+                  <a:glow rad="38100">
+                    <a:schemeClr val="bg1">
+                      <a:lumMod val="50000"/>
+                      <a:lumOff val="50000"/>
+                      <a:alpha val="20000"/>
+                    </a:schemeClr>
+                  </a:glow>
+                </a:effectLst>
+              </a:rPr>
+              <a:t>dL</a:t>
             </a:r>
             <a:r>
               <a:rPr lang="en-US" sz="2200" dirty="0" smtClean="0">
@@ -16491,19 +16899,8 @@
                   </a:glow>
                 </a:effectLst>
               </a:rPr>
-              <a:t>Disease compared to men</a:t>
-            </a:r>
-            <a:endParaRPr lang="en-US" sz="2200" dirty="0" smtClean="0">
-              <a:effectLst>
-                <a:glow rad="38100">
-                  <a:schemeClr val="bg1">
-                    <a:lumMod val="50000"/>
-                    <a:lumOff val="50000"/>
-                    <a:alpha val="20000"/>
-                  </a:schemeClr>
-                </a:glow>
-              </a:effectLst>
-            </a:endParaRPr>
+              <a:t>.</a:t>
+            </a:r>
           </a:p>
           <a:p>
             <a:pPr marL="342900" indent="-342900">
@@ -16523,15 +16920,12 @@
             </a:endParaRPr>
           </a:p>
           <a:p>
-            <a:pPr lvl="1" algn="ctr"/>
+            <a:pPr marL="342900" indent="-342900">
+              <a:buFont typeface="Wingdings" panose="05000000000000000000" pitchFamily="2" charset="2"/>
+              <a:buChar char="v"/>
+            </a:pPr>
             <a:r>
               <a:rPr lang="en-US" sz="2200" dirty="0" smtClean="0">
-                <a:solidFill>
-                  <a:schemeClr val="accent5">
-                    <a:lumMod val="60000"/>
-                    <a:lumOff val="40000"/>
-                  </a:schemeClr>
-                </a:solidFill>
                 <a:effectLst>
                   <a:glow rad="38100">
                     <a:schemeClr val="bg1">
@@ -16542,19 +16936,10 @@
                   </a:glow>
                 </a:effectLst>
               </a:rPr>
-              <a:t>Selection Bias? </a:t>
-            </a:r>
-          </a:p>
-          <a:p>
-            <a:pPr lvl="1" algn="ctr"/>
+              <a:t>In general, high cholesterol </a:t>
+            </a:r>
             <a:r>
               <a:rPr lang="en-US" sz="2200" dirty="0" smtClean="0">
-                <a:solidFill>
-                  <a:schemeClr val="accent5">
-                    <a:lumMod val="60000"/>
-                    <a:lumOff val="40000"/>
-                  </a:schemeClr>
-                </a:solidFill>
                 <a:effectLst>
                   <a:glow rad="38100">
                     <a:schemeClr val="bg1">
@@ -16564,20 +16949,36 @@
                     </a:schemeClr>
                   </a:glow>
                 </a:effectLst>
-              </a:rPr>
-              <a:t>Or </a:t>
-            </a:r>
-          </a:p>
-          <a:p>
-            <a:pPr lvl="1" algn="ctr"/>
+                <a:sym typeface="Wingdings" panose="05000000000000000000" pitchFamily="2" charset="2"/>
+              </a:rPr>
+              <a:t> Higher chance of developing heart disease.</a:t>
+            </a:r>
+          </a:p>
+          <a:p>
+            <a:pPr marL="342900" indent="-342900">
+              <a:buFont typeface="Wingdings" panose="05000000000000000000" pitchFamily="2" charset="2"/>
+              <a:buChar char="v"/>
+            </a:pPr>
+            <a:endParaRPr lang="en-US" sz="2200" dirty="0">
+              <a:effectLst>
+                <a:glow rad="38100">
+                  <a:schemeClr val="bg1">
+                    <a:lumMod val="50000"/>
+                    <a:lumOff val="50000"/>
+                    <a:alpha val="20000"/>
+                  </a:schemeClr>
+                </a:glow>
+              </a:effectLst>
+              <a:sym typeface="Wingdings" panose="05000000000000000000" pitchFamily="2" charset="2"/>
+            </a:endParaRPr>
+          </a:p>
+          <a:p>
+            <a:pPr marL="342900" indent="-342900">
+              <a:buFont typeface="Wingdings" panose="05000000000000000000" pitchFamily="2" charset="2"/>
+              <a:buChar char="v"/>
+            </a:pPr>
             <a:r>
               <a:rPr lang="en-US" sz="2200" dirty="0" smtClean="0">
-                <a:solidFill>
-                  <a:schemeClr val="accent5">
-                    <a:lumMod val="60000"/>
-                    <a:lumOff val="40000"/>
-                  </a:schemeClr>
-                </a:solidFill>
                 <a:effectLst>
                   <a:glow rad="38100">
                     <a:schemeClr val="bg1">
@@ -16587,9 +16988,27 @@
                     </a:schemeClr>
                   </a:glow>
                 </a:effectLst>
-              </a:rPr>
-              <a:t>Reflection of  The Real World?</a:t>
-            </a:r>
+                <a:sym typeface="Wingdings" panose="05000000000000000000" pitchFamily="2" charset="2"/>
+              </a:rPr>
+              <a:t>Contradicting results. Increase the size of the dataset?</a:t>
+            </a:r>
+          </a:p>
+          <a:p>
+            <a:pPr marL="342900" indent="-342900">
+              <a:buFont typeface="Wingdings" panose="05000000000000000000" pitchFamily="2" charset="2"/>
+              <a:buChar char="v"/>
+            </a:pPr>
+            <a:endParaRPr lang="en-US" sz="2200" dirty="0" smtClean="0">
+              <a:effectLst>
+                <a:glow rad="38100">
+                  <a:schemeClr val="bg1">
+                    <a:lumMod val="50000"/>
+                    <a:lumOff val="50000"/>
+                    <a:alpha val="20000"/>
+                  </a:schemeClr>
+                </a:glow>
+              </a:effectLst>
+            </a:endParaRPr>
           </a:p>
           <a:p>
             <a:pPr lvl="1" algn="ctr"/>
@@ -16610,41 +17029,13 @@
               <a:buFont typeface="Wingdings" panose="05000000000000000000" pitchFamily="2" charset="2"/>
               <a:buChar char="v"/>
             </a:pPr>
-            <a:r>
-              <a:rPr lang="en-US" sz="2200" dirty="0">
-                <a:effectLst>
-                  <a:glow rad="38100">
-                    <a:schemeClr val="bg1">
-                      <a:lumMod val="50000"/>
-                      <a:lumOff val="50000"/>
-                      <a:alpha val="20000"/>
-                    </a:schemeClr>
-                  </a:glow>
-                </a:effectLst>
-              </a:rPr>
-              <a:t>F</a:t>
-            </a:r>
-            <a:r>
-              <a:rPr lang="en-US" sz="2200" dirty="0" smtClean="0">
-                <a:effectLst>
-                  <a:glow rad="38100">
-                    <a:schemeClr val="bg1">
-                      <a:lumMod val="50000"/>
-                      <a:lumOff val="50000"/>
-                      <a:alpha val="20000"/>
-                    </a:schemeClr>
-                  </a:glow>
-                </a:effectLst>
-              </a:rPr>
-              <a:t>urther research is required.</a:t>
-            </a:r>
             <a:endParaRPr lang="en-US" sz="2200" dirty="0"/>
           </a:p>
         </p:txBody>
       </p:sp>
       <p:pic>
         <p:nvPicPr>
-          <p:cNvPr id="9" name="Picture 8"/>
+          <p:cNvPr id="5" name="Picture 4"/>
           <p:cNvPicPr>
             <a:picLocks noChangeAspect="1"/>
           </p:cNvPicPr>
@@ -16658,8 +17049,8 @@
         </p:blipFill>
         <p:spPr>
           <a:xfrm>
-            <a:off x="389500" y="2197125"/>
-            <a:ext cx="4963247" cy="3201352"/>
+            <a:off x="361950" y="1690688"/>
+            <a:ext cx="4685270" cy="4953000"/>
           </a:xfrm>
           <a:prstGeom prst="rect">
             <a:avLst/>
@@ -16727,7 +17118,7 @@
                   <a:schemeClr val="tx1"/>
                 </a:solidFill>
               </a:rPr>
-              <a:t>Fasting Blood Sugar vs Heart </a:t>
+              <a:t>Gender Vs Prevalence of Heart </a:t>
             </a:r>
             <a:r>
               <a:rPr lang="en-US" sz="5000" dirty="0" smtClean="0">
@@ -16736,29 +17127,6 @@
                 </a:solidFill>
               </a:rPr>
               <a:t>Disease</a:t>
-            </a:r>
-            <a:br>
-              <a:rPr lang="en-US" sz="5000" dirty="0" smtClean="0">
-                <a:solidFill>
-                  <a:schemeClr val="tx1"/>
-                </a:solidFill>
-              </a:rPr>
-            </a:br>
-            <a:r>
-              <a:rPr lang="en-US" sz="3200" dirty="0" smtClean="0">
-                <a:solidFill>
-                  <a:schemeClr val="tx1"/>
-                </a:solidFill>
-              </a:rPr>
-              <a:t>EDA </a:t>
-            </a:r>
-            <a:r>
-              <a:rPr lang="en-US" sz="3200" dirty="0" smtClean="0">
-                <a:solidFill>
-                  <a:schemeClr val="tx1"/>
-                </a:solidFill>
-              </a:rPr>
-              <a:t>Continued…</a:t>
             </a:r>
             <a:endParaRPr lang="en-US" sz="3200" cap="none" dirty="0">
               <a:solidFill>
@@ -16777,7 +17145,7 @@
         <p:spPr>
           <a:xfrm>
             <a:off x="5515416" y="2448585"/>
-            <a:ext cx="6676584" cy="2862322"/>
+            <a:ext cx="6676584" cy="2800767"/>
           </a:xfrm>
           <a:prstGeom prst="rect">
             <a:avLst/>
@@ -16806,23 +17174,8 @@
                   </a:glow>
                 </a:effectLst>
               </a:rPr>
-              <a:t>Observation: </a:t>
-            </a:r>
-            <a:r>
-              <a:rPr lang="en-US" sz="2400" dirty="0" smtClean="0"/>
-              <a:t>Fasting blood sugar doesn’t have a significant effect on developing heart disease.</a:t>
-            </a:r>
-            <a:endParaRPr lang="en-US" sz="2200" dirty="0" smtClean="0">
-              <a:effectLst>
-                <a:glow rad="38100">
-                  <a:schemeClr val="bg1">
-                    <a:lumMod val="50000"/>
-                    <a:lumOff val="50000"/>
-                    <a:alpha val="20000"/>
-                  </a:schemeClr>
-                </a:glow>
-              </a:effectLst>
-            </a:endParaRPr>
+              <a:t>Significantly more Women with Heart Disease compared to men</a:t>
+            </a:r>
           </a:p>
           <a:p>
             <a:pPr marL="342900" indent="-342900">
@@ -16907,7 +17260,127 @@
                   </a:glow>
                 </a:effectLst>
               </a:rPr>
-              <a:t>Reflection of  The Real World?</a:t>
+              <a:t>Reflection of  </a:t>
+            </a:r>
+            <a:r>
+              <a:rPr lang="en-US" sz="2200" dirty="0" smtClean="0">
+                <a:solidFill>
+                  <a:schemeClr val="accent5">
+                    <a:lumMod val="60000"/>
+                    <a:lumOff val="40000"/>
+                  </a:schemeClr>
+                </a:solidFill>
+                <a:effectLst>
+                  <a:glow rad="38100">
+                    <a:schemeClr val="bg1">
+                      <a:lumMod val="50000"/>
+                      <a:lumOff val="50000"/>
+                      <a:alpha val="20000"/>
+                    </a:schemeClr>
+                  </a:glow>
+                </a:effectLst>
+              </a:rPr>
+              <a:t>the </a:t>
+            </a:r>
+            <a:r>
+              <a:rPr lang="en-US" sz="2200" dirty="0">
+                <a:solidFill>
+                  <a:schemeClr val="accent5">
+                    <a:lumMod val="60000"/>
+                    <a:lumOff val="40000"/>
+                  </a:schemeClr>
+                </a:solidFill>
+                <a:effectLst>
+                  <a:glow rad="38100">
+                    <a:schemeClr val="bg1">
+                      <a:lumMod val="50000"/>
+                      <a:lumOff val="50000"/>
+                      <a:alpha val="20000"/>
+                    </a:schemeClr>
+                  </a:glow>
+                </a:effectLst>
+              </a:rPr>
+              <a:t>r</a:t>
+            </a:r>
+            <a:r>
+              <a:rPr lang="en-US" sz="2200" dirty="0" smtClean="0">
+                <a:solidFill>
+                  <a:schemeClr val="accent5">
+                    <a:lumMod val="60000"/>
+                    <a:lumOff val="40000"/>
+                  </a:schemeClr>
+                </a:solidFill>
+                <a:effectLst>
+                  <a:glow rad="38100">
+                    <a:schemeClr val="bg1">
+                      <a:lumMod val="50000"/>
+                      <a:lumOff val="50000"/>
+                      <a:alpha val="20000"/>
+                    </a:schemeClr>
+                  </a:glow>
+                </a:effectLst>
+              </a:rPr>
+              <a:t>eal </a:t>
+            </a:r>
+            <a:r>
+              <a:rPr lang="en-US" sz="2200" dirty="0">
+                <a:solidFill>
+                  <a:schemeClr val="accent5">
+                    <a:lumMod val="60000"/>
+                    <a:lumOff val="40000"/>
+                  </a:schemeClr>
+                </a:solidFill>
+                <a:effectLst>
+                  <a:glow rad="38100">
+                    <a:schemeClr val="bg1">
+                      <a:lumMod val="50000"/>
+                      <a:lumOff val="50000"/>
+                      <a:alpha val="20000"/>
+                    </a:schemeClr>
+                  </a:glow>
+                </a:effectLst>
+              </a:rPr>
+              <a:t>w</a:t>
+            </a:r>
+            <a:r>
+              <a:rPr lang="en-US" sz="2200" dirty="0" smtClean="0">
+                <a:solidFill>
+                  <a:schemeClr val="accent5">
+                    <a:lumMod val="60000"/>
+                    <a:lumOff val="40000"/>
+                  </a:schemeClr>
+                </a:solidFill>
+                <a:effectLst>
+                  <a:glow rad="38100">
+                    <a:schemeClr val="bg1">
+                      <a:lumMod val="50000"/>
+                      <a:lumOff val="50000"/>
+                      <a:alpha val="20000"/>
+                    </a:schemeClr>
+                  </a:glow>
+                </a:effectLst>
+              </a:rPr>
+              <a:t>orld</a:t>
+            </a:r>
+            <a:r>
+              <a:rPr lang="en-US" sz="2200" dirty="0" smtClean="0">
+                <a:solidFill>
+                  <a:schemeClr val="accent5">
+                    <a:lumMod val="60000"/>
+                    <a:lumOff val="40000"/>
+                  </a:schemeClr>
+                </a:solidFill>
+                <a:effectLst>
+                  <a:glow rad="38100">
+                    <a:schemeClr val="bg1">
+                      <a:lumMod val="50000"/>
+                      <a:lumOff val="50000"/>
+                      <a:alpha val="20000"/>
+                    </a:schemeClr>
+                  </a:glow>
+                </a:effectLst>
+              </a:rPr>
+              <a:t>?</a:t>
             </a:r>
           </a:p>
           <a:p>
@@ -16963,7 +17436,7 @@
       </p:sp>
       <p:pic>
         <p:nvPicPr>
-          <p:cNvPr id="3" name="Picture 2"/>
+          <p:cNvPr id="9" name="Picture 8"/>
           <p:cNvPicPr>
             <a:picLocks noChangeAspect="1"/>
           </p:cNvPicPr>
@@ -16977,8 +17450,8 @@
         </p:blipFill>
         <p:spPr>
           <a:xfrm>
-            <a:off x="838200" y="2277879"/>
-            <a:ext cx="4338193" cy="3013647"/>
+            <a:off x="389500" y="2197125"/>
+            <a:ext cx="4963247" cy="3201352"/>
           </a:xfrm>
           <a:prstGeom prst="rect">
             <a:avLst/>
@@ -16988,7 +17461,7 @@
     </p:spTree>
     <p:extLst>
       <p:ext uri="{BB962C8B-B14F-4D97-AF65-F5344CB8AC3E}">
-        <p14:creationId xmlns:p14="http://schemas.microsoft.com/office/powerpoint/2010/main" val="3175235475"/>
+        <p14:creationId xmlns:p14="http://schemas.microsoft.com/office/powerpoint/2010/main" val="1139004528"/>
       </p:ext>
     </p:extLst>
   </p:cSld>
